--- a/NewTasks/Before Scan 1. Briefing.pptx
+++ b/NewTasks/Before Scan 1. Briefing.pptx
@@ -23,8 +23,8 @@
     <p:sldId id="279" r:id="rId17"/>
     <p:sldId id="280" r:id="rId18"/>
     <p:sldId id="312" r:id="rId19"/>
-    <p:sldId id="295" r:id="rId20"/>
-    <p:sldId id="291" r:id="rId21"/>
+    <p:sldId id="330" r:id="rId20"/>
+    <p:sldId id="329" r:id="rId21"/>
     <p:sldId id="301" r:id="rId22"/>
     <p:sldId id="296" r:id="rId23"/>
     <p:sldId id="313" r:id="rId24"/>
@@ -239,7 +239,7 @@
           <a:p>
             <a:fld id="{980E24A7-9954-5B4D-976B-6D28026BE577}" type="datetimeFigureOut">
               <a:rPr lang="en-US" smtClean="0"/>
-              <a:t>12/7/23</a:t>
+              <a:t>12/12/23</a:t>
             </a:fld>
             <a:endParaRPr lang="en-US"/>
           </a:p>
@@ -703,6 +703,150 @@
                 <a:tabLst/>
                 <a:defRPr/>
               </a:pPr>
+              <a:t>16</a:t>
+            </a:fld>
+            <a:endParaRPr kumimoji="0" lang="en-US" sz="1200" b="0" i="0" u="none" strike="noStrike" kern="1200" cap="none" spc="0" normalizeH="0" baseline="0" noProof="0">
+              <a:ln>
+                <a:noFill/>
+              </a:ln>
+              <a:solidFill>
+                <a:prstClr val="black"/>
+              </a:solidFill>
+              <a:effectLst/>
+              <a:uLnTx/>
+              <a:uFillTx/>
+              <a:latin typeface="Calibri" panose="020F0502020204030204"/>
+              <a:ea typeface="+mn-ea"/>
+              <a:cs typeface="+mn-cs"/>
+            </a:endParaRPr>
+          </a:p>
+        </p:txBody>
+      </p:sp>
+    </p:spTree>
+    <p:extLst>
+      <p:ext uri="{BB962C8B-B14F-4D97-AF65-F5344CB8AC3E}">
+        <p14:creationId xmlns:p14="http://schemas.microsoft.com/office/powerpoint/2010/main" val="94791614"/>
+      </p:ext>
+    </p:extLst>
+  </p:cSld>
+  <p:clrMapOvr>
+    <a:masterClrMapping/>
+  </p:clrMapOvr>
+</p:notes>
+</file>
+
+<file path=ppt/notesSlides/notesSlide11.xml><?xml version="1.0" encoding="utf-8"?>
+<p:notes xmlns:a="http://schemas.openxmlformats.org/drawingml/2006/main" xmlns:r="http://schemas.openxmlformats.org/officeDocument/2006/relationships" xmlns:p="http://schemas.openxmlformats.org/presentationml/2006/main">
+  <p:cSld>
+    <p:spTree>
+      <p:nvGrpSpPr>
+        <p:cNvPr id="1" name=""/>
+        <p:cNvGrpSpPr/>
+        <p:nvPr/>
+      </p:nvGrpSpPr>
+      <p:grpSpPr>
+        <a:xfrm>
+          <a:off x="0" y="0"/>
+          <a:ext cx="0" cy="0"/>
+          <a:chOff x="0" y="0"/>
+          <a:chExt cx="0" cy="0"/>
+        </a:xfrm>
+      </p:grpSpPr>
+      <p:sp>
+        <p:nvSpPr>
+          <p:cNvPr id="2" name="Slide Image Placeholder 1"/>
+          <p:cNvSpPr>
+            <a:spLocks noGrp="1" noRot="1" noChangeAspect="1"/>
+          </p:cNvSpPr>
+          <p:nvPr>
+            <p:ph type="sldImg"/>
+          </p:nvPr>
+        </p:nvSpPr>
+        <p:spPr/>
+      </p:sp>
+      <p:sp>
+        <p:nvSpPr>
+          <p:cNvPr id="3" name="Notes Placeholder 2"/>
+          <p:cNvSpPr>
+            <a:spLocks noGrp="1"/>
+          </p:cNvSpPr>
+          <p:nvPr>
+            <p:ph type="body" idx="1"/>
+          </p:nvPr>
+        </p:nvSpPr>
+        <p:spPr/>
+        <p:txBody>
+          <a:bodyPr/>
+          <a:lstStyle/>
+          <a:p>
+            <a:endParaRPr lang="en-US" dirty="0"/>
+          </a:p>
+        </p:txBody>
+      </p:sp>
+      <p:sp>
+        <p:nvSpPr>
+          <p:cNvPr id="4" name="Slide Number Placeholder 3"/>
+          <p:cNvSpPr>
+            <a:spLocks noGrp="1"/>
+          </p:cNvSpPr>
+          <p:nvPr>
+            <p:ph type="sldNum" sz="quarter" idx="5"/>
+          </p:nvPr>
+        </p:nvSpPr>
+        <p:spPr/>
+        <p:txBody>
+          <a:bodyPr/>
+          <a:lstStyle/>
+          <a:p>
+            <a:pPr marL="0" marR="0" lvl="0" indent="0" algn="r" defTabSz="914400" rtl="0" eaLnBrk="1" fontAlgn="auto" latinLnBrk="0" hangingPunct="1">
+              <a:lnSpc>
+                <a:spcPct val="100000"/>
+              </a:lnSpc>
+              <a:spcBef>
+                <a:spcPts val="0"/>
+              </a:spcBef>
+              <a:spcAft>
+                <a:spcPts val="0"/>
+              </a:spcAft>
+              <a:buClrTx/>
+              <a:buSzTx/>
+              <a:buFontTx/>
+              <a:buNone/>
+              <a:tabLst/>
+              <a:defRPr/>
+            </a:pPr>
+            <a:fld id="{C969386B-3968-304A-B0B8-07E2DFBC9DCB}" type="slidenum">
+              <a:rPr kumimoji="0" lang="en-US" sz="1200" b="0" i="0" u="none" strike="noStrike" kern="1200" cap="none" spc="0" normalizeH="0" baseline="0" noProof="0" smtClean="0">
+                <a:ln>
+                  <a:noFill/>
+                </a:ln>
+                <a:solidFill>
+                  <a:prstClr val="black"/>
+                </a:solidFill>
+                <a:effectLst/>
+                <a:uLnTx/>
+                <a:uFillTx/>
+                <a:latin typeface="Calibri" panose="020F0502020204030204"/>
+                <a:ea typeface="+mn-ea"/>
+                <a:cs typeface="+mn-cs"/>
+              </a:rPr>
+              <a:pPr marL="0" marR="0" lvl="0" indent="0" algn="r" defTabSz="914400" rtl="0" eaLnBrk="1" fontAlgn="auto" latinLnBrk="0" hangingPunct="1">
+                <a:lnSpc>
+                  <a:spcPct val="100000"/>
+                </a:lnSpc>
+                <a:spcBef>
+                  <a:spcPts val="0"/>
+                </a:spcBef>
+                <a:spcAft>
+                  <a:spcPts val="0"/>
+                </a:spcAft>
+                <a:buClrTx/>
+                <a:buSzTx/>
+                <a:buFontTx/>
+                <a:buNone/>
+                <a:tabLst/>
+                <a:defRPr/>
+              </a:pPr>
               <a:t>17</a:t>
             </a:fld>
             <a:endParaRPr kumimoji="0" lang="en-US" sz="1200" b="0" i="0" u="none" strike="noStrike" kern="1200" cap="none" spc="0" normalizeH="0" baseline="0" noProof="0">
@@ -725,7 +869,7 @@
     </p:spTree>
     <p:extLst>
       <p:ext uri="{BB962C8B-B14F-4D97-AF65-F5344CB8AC3E}">
-        <p14:creationId xmlns:p14="http://schemas.microsoft.com/office/powerpoint/2010/main" val="3342447991"/>
+        <p14:creationId xmlns:p14="http://schemas.microsoft.com/office/powerpoint/2010/main" val="3994546653"/>
       </p:ext>
     </p:extLst>
   </p:cSld>
@@ -735,7 +879,7 @@
 </p:notes>
 </file>
 
-<file path=ppt/notesSlides/notesSlide11.xml><?xml version="1.0" encoding="utf-8"?>
+<file path=ppt/notesSlides/notesSlide12.xml><?xml version="1.0" encoding="utf-8"?>
 <p:notes xmlns:a="http://schemas.openxmlformats.org/drawingml/2006/main" xmlns:r="http://schemas.openxmlformats.org/officeDocument/2006/relationships" xmlns:p="http://schemas.openxmlformats.org/presentationml/2006/main">
   <p:cSld>
     <p:spTree>
@@ -879,7 +1023,7 @@
 </p:notes>
 </file>
 
-<file path=ppt/notesSlides/notesSlide12.xml><?xml version="1.0" encoding="utf-8"?>
+<file path=ppt/notesSlides/notesSlide13.xml><?xml version="1.0" encoding="utf-8"?>
 <p:notes xmlns:a="http://schemas.openxmlformats.org/drawingml/2006/main" xmlns:r="http://schemas.openxmlformats.org/officeDocument/2006/relationships" xmlns:p="http://schemas.openxmlformats.org/presentationml/2006/main">
   <p:cSld>
     <p:spTree>
@@ -963,7 +1107,7 @@
 </p:notes>
 </file>
 
-<file path=ppt/notesSlides/notesSlide13.xml><?xml version="1.0" encoding="utf-8"?>
+<file path=ppt/notesSlides/notesSlide14.xml><?xml version="1.0" encoding="utf-8"?>
 <p:notes xmlns:a="http://schemas.openxmlformats.org/drawingml/2006/main" xmlns:r="http://schemas.openxmlformats.org/officeDocument/2006/relationships" xmlns:p="http://schemas.openxmlformats.org/presentationml/2006/main">
   <p:cSld>
     <p:spTree>
@@ -1107,7 +1251,7 @@
 </p:notes>
 </file>
 
-<file path=ppt/notesSlides/notesSlide14.xml><?xml version="1.0" encoding="utf-8"?>
+<file path=ppt/notesSlides/notesSlide15.xml><?xml version="1.0" encoding="utf-8"?>
 <p:notes xmlns:a="http://schemas.openxmlformats.org/drawingml/2006/main" xmlns:r="http://schemas.openxmlformats.org/officeDocument/2006/relationships" xmlns:p="http://schemas.openxmlformats.org/presentationml/2006/main">
   <p:cSld>
     <p:spTree>
@@ -1191,7 +1335,7 @@
 </p:notes>
 </file>
 
-<file path=ppt/notesSlides/notesSlide15.xml><?xml version="1.0" encoding="utf-8"?>
+<file path=ppt/notesSlides/notesSlide16.xml><?xml version="1.0" encoding="utf-8"?>
 <p:notes xmlns:a="http://schemas.openxmlformats.org/drawingml/2006/main" xmlns:r="http://schemas.openxmlformats.org/officeDocument/2006/relationships" xmlns:p="http://schemas.openxmlformats.org/presentationml/2006/main">
   <p:cSld>
     <p:spTree>
@@ -1335,7 +1479,7 @@
 </p:notes>
 </file>
 
-<file path=ppt/notesSlides/notesSlide16.xml><?xml version="1.0" encoding="utf-8"?>
+<file path=ppt/notesSlides/notesSlide17.xml><?xml version="1.0" encoding="utf-8"?>
 <p:notes xmlns:a="http://schemas.openxmlformats.org/drawingml/2006/main" xmlns:r="http://schemas.openxmlformats.org/officeDocument/2006/relationships" xmlns:p="http://schemas.openxmlformats.org/presentationml/2006/main">
   <p:cSld>
     <p:spTree>
@@ -1479,7 +1623,7 @@
 </p:notes>
 </file>
 
-<file path=ppt/notesSlides/notesSlide17.xml><?xml version="1.0" encoding="utf-8"?>
+<file path=ppt/notesSlides/notesSlide18.xml><?xml version="1.0" encoding="utf-8"?>
 <p:notes xmlns:a="http://schemas.openxmlformats.org/drawingml/2006/main" xmlns:r="http://schemas.openxmlformats.org/officeDocument/2006/relationships" xmlns:p="http://schemas.openxmlformats.org/presentationml/2006/main">
   <p:cSld>
     <p:spTree>
@@ -2384,7 +2528,7 @@
           <a:p>
             <a:fld id="{9D47736A-4A47-5E49-B435-20FECFFD9B20}" type="datetimeFigureOut">
               <a:rPr lang="en-US" smtClean="0"/>
-              <a:t>12/7/23</a:t>
+              <a:t>12/12/23</a:t>
             </a:fld>
             <a:endParaRPr lang="en-US"/>
           </a:p>
@@ -2584,7 +2728,7 @@
           <a:p>
             <a:fld id="{9D47736A-4A47-5E49-B435-20FECFFD9B20}" type="datetimeFigureOut">
               <a:rPr lang="en-US" smtClean="0"/>
-              <a:t>12/7/23</a:t>
+              <a:t>12/12/23</a:t>
             </a:fld>
             <a:endParaRPr lang="en-US"/>
           </a:p>
@@ -2794,7 +2938,7 @@
           <a:p>
             <a:fld id="{9D47736A-4A47-5E49-B435-20FECFFD9B20}" type="datetimeFigureOut">
               <a:rPr lang="en-US" smtClean="0"/>
-              <a:t>12/7/23</a:t>
+              <a:t>12/12/23</a:t>
             </a:fld>
             <a:endParaRPr lang="en-US"/>
           </a:p>
@@ -2994,7 +3138,7 @@
           <a:p>
             <a:fld id="{9D47736A-4A47-5E49-B435-20FECFFD9B20}" type="datetimeFigureOut">
               <a:rPr lang="en-US" smtClean="0"/>
-              <a:t>12/7/23</a:t>
+              <a:t>12/12/23</a:t>
             </a:fld>
             <a:endParaRPr lang="en-US"/>
           </a:p>
@@ -3270,7 +3414,7 @@
           <a:p>
             <a:fld id="{9D47736A-4A47-5E49-B435-20FECFFD9B20}" type="datetimeFigureOut">
               <a:rPr lang="en-US" smtClean="0"/>
-              <a:t>12/7/23</a:t>
+              <a:t>12/12/23</a:t>
             </a:fld>
             <a:endParaRPr lang="en-US"/>
           </a:p>
@@ -3538,7 +3682,7 @@
           <a:p>
             <a:fld id="{9D47736A-4A47-5E49-B435-20FECFFD9B20}" type="datetimeFigureOut">
               <a:rPr lang="en-US" smtClean="0"/>
-              <a:t>12/7/23</a:t>
+              <a:t>12/12/23</a:t>
             </a:fld>
             <a:endParaRPr lang="en-US"/>
           </a:p>
@@ -3953,7 +4097,7 @@
           <a:p>
             <a:fld id="{9D47736A-4A47-5E49-B435-20FECFFD9B20}" type="datetimeFigureOut">
               <a:rPr lang="en-US" smtClean="0"/>
-              <a:t>12/7/23</a:t>
+              <a:t>12/12/23</a:t>
             </a:fld>
             <a:endParaRPr lang="en-US"/>
           </a:p>
@@ -4095,7 +4239,7 @@
           <a:p>
             <a:fld id="{9D47736A-4A47-5E49-B435-20FECFFD9B20}" type="datetimeFigureOut">
               <a:rPr lang="en-US" smtClean="0"/>
-              <a:t>12/7/23</a:t>
+              <a:t>12/12/23</a:t>
             </a:fld>
             <a:endParaRPr lang="en-US"/>
           </a:p>
@@ -4208,7 +4352,7 @@
           <a:p>
             <a:fld id="{9D47736A-4A47-5E49-B435-20FECFFD9B20}" type="datetimeFigureOut">
               <a:rPr lang="en-US" smtClean="0"/>
-              <a:t>12/7/23</a:t>
+              <a:t>12/12/23</a:t>
             </a:fld>
             <a:endParaRPr lang="en-US"/>
           </a:p>
@@ -4521,7 +4665,7 @@
           <a:p>
             <a:fld id="{9D47736A-4A47-5E49-B435-20FECFFD9B20}" type="datetimeFigureOut">
               <a:rPr lang="en-US" smtClean="0"/>
-              <a:t>12/7/23</a:t>
+              <a:t>12/12/23</a:t>
             </a:fld>
             <a:endParaRPr lang="en-US"/>
           </a:p>
@@ -4810,7 +4954,7 @@
           <a:p>
             <a:fld id="{9D47736A-4A47-5E49-B435-20FECFFD9B20}" type="datetimeFigureOut">
               <a:rPr lang="en-US" smtClean="0"/>
-              <a:t>12/7/23</a:t>
+              <a:t>12/12/23</a:t>
             </a:fld>
             <a:endParaRPr lang="en-US"/>
           </a:p>
@@ -5053,7 +5197,7 @@
           <a:p>
             <a:fld id="{9D47736A-4A47-5E49-B435-20FECFFD9B20}" type="datetimeFigureOut">
               <a:rPr lang="en-US" smtClean="0"/>
-              <a:t>12/7/23</a:t>
+              <a:t>12/12/23</a:t>
             </a:fld>
             <a:endParaRPr lang="en-US"/>
           </a:p>
@@ -7146,380 +7290,6 @@
           </a:bodyPr>
           <a:lstStyle/>
           <a:p>
-            <a:r>
-              <a:rPr lang="en-US" sz="3000" dirty="0">
-                <a:latin typeface="Bangla MN" pitchFamily="2" charset="0"/>
-                <a:cs typeface="Bangla MN" pitchFamily="2" charset="0"/>
-              </a:rPr>
-              <a:t>Strength</a:t>
-            </a:r>
-          </a:p>
-        </p:txBody>
-      </p:sp>
-      <p:sp>
-        <p:nvSpPr>
-          <p:cNvPr id="8" name="TextBox 7">
-            <a:extLst>
-              <a:ext uri="{FF2B5EF4-FFF2-40B4-BE49-F238E27FC236}">
-                <a16:creationId xmlns:a16="http://schemas.microsoft.com/office/drawing/2014/main" id="{8C6C289F-44DC-B74A-5B96-78652F9DCA83}"/>
-              </a:ext>
-            </a:extLst>
-          </p:cNvPr>
-          <p:cNvSpPr txBox="1"/>
-          <p:nvPr/>
-        </p:nvSpPr>
-        <p:spPr>
-          <a:xfrm>
-            <a:off x="283026" y="1520244"/>
-            <a:ext cx="11632488" cy="1323439"/>
-          </a:xfrm>
-          <a:prstGeom prst="rect">
-            <a:avLst/>
-          </a:prstGeom>
-          <a:noFill/>
-        </p:spPr>
-        <p:txBody>
-          <a:bodyPr wrap="square" rtlCol="0">
-            <a:spAutoFit/>
-          </a:bodyPr>
-          <a:lstStyle/>
-          <a:p>
-            <a:r>
-              <a:rPr lang="en-US" sz="2000" dirty="0">
-                <a:latin typeface="Bangla MN" pitchFamily="2" charset="0"/>
-                <a:cs typeface="Bangla MN" pitchFamily="2" charset="0"/>
-              </a:rPr>
-              <a:t>The animals will </a:t>
-            </a:r>
-            <a:r>
-              <a:rPr lang="en-US" sz="2000" b="1" dirty="0">
-                <a:latin typeface="Bangla MN" pitchFamily="2" charset="0"/>
-                <a:cs typeface="Bangla MN" pitchFamily="2" charset="0"/>
-              </a:rPr>
-              <a:t>vary in strength throughout the game</a:t>
-            </a:r>
-            <a:r>
-              <a:rPr lang="en-US" sz="2000" dirty="0">
-                <a:latin typeface="Bangla MN" pitchFamily="2" charset="0"/>
-                <a:cs typeface="Bangla MN" pitchFamily="2" charset="0"/>
-              </a:rPr>
-              <a:t>, both when you are playing as the animal and the animals you battle.</a:t>
-            </a:r>
-          </a:p>
-          <a:p>
-            <a:endParaRPr lang="en-US" sz="2000" dirty="0">
-              <a:latin typeface="Bangla MN" pitchFamily="2" charset="0"/>
-              <a:cs typeface="Bangla MN" pitchFamily="2" charset="0"/>
-            </a:endParaRPr>
-          </a:p>
-          <a:p>
-            <a:r>
-              <a:rPr lang="en-US" sz="2000" dirty="0">
-                <a:latin typeface="Bangla MN" pitchFamily="2" charset="0"/>
-                <a:cs typeface="Bangla MN" pitchFamily="2" charset="0"/>
-              </a:rPr>
-              <a:t>Below is an example of the varying strengths of the lion:</a:t>
-            </a:r>
-          </a:p>
-        </p:txBody>
-      </p:sp>
-      <p:pic>
-        <p:nvPicPr>
-          <p:cNvPr id="3" name="Picture 2">
-            <a:extLst>
-              <a:ext uri="{FF2B5EF4-FFF2-40B4-BE49-F238E27FC236}">
-                <a16:creationId xmlns:a16="http://schemas.microsoft.com/office/drawing/2014/main" id="{D978CAAC-4D8F-AC87-4B69-7B239854EBF9}"/>
-              </a:ext>
-            </a:extLst>
-          </p:cNvPr>
-          <p:cNvPicPr>
-            <a:picLocks noChangeAspect="1"/>
-          </p:cNvPicPr>
-          <p:nvPr/>
-        </p:nvPicPr>
-        <p:blipFill>
-          <a:blip r:embed="rId2"/>
-          <a:stretch>
-            <a:fillRect/>
-          </a:stretch>
-        </p:blipFill>
-        <p:spPr>
-          <a:xfrm>
-            <a:off x="4708177" y="3230671"/>
-            <a:ext cx="2928046" cy="2641846"/>
-          </a:xfrm>
-          <a:prstGeom prst="rect">
-            <a:avLst/>
-          </a:prstGeom>
-        </p:spPr>
-      </p:pic>
-      <p:grpSp>
-        <p:nvGrpSpPr>
-          <p:cNvPr id="14" name="Group 13">
-            <a:extLst>
-              <a:ext uri="{FF2B5EF4-FFF2-40B4-BE49-F238E27FC236}">
-                <a16:creationId xmlns:a16="http://schemas.microsoft.com/office/drawing/2014/main" id="{1B63EABC-D52A-092B-BD0E-004BD22C2A12}"/>
-              </a:ext>
-            </a:extLst>
-          </p:cNvPr>
-          <p:cNvGrpSpPr/>
-          <p:nvPr/>
-        </p:nvGrpSpPr>
-        <p:grpSpPr>
-          <a:xfrm>
-            <a:off x="3538536" y="6017146"/>
-            <a:ext cx="5604659" cy="451964"/>
-            <a:chOff x="3538536" y="6017146"/>
-            <a:chExt cx="5604659" cy="451964"/>
-          </a:xfrm>
-        </p:grpSpPr>
-        <p:sp>
-          <p:nvSpPr>
-            <p:cNvPr id="10" name="TextBox 9">
-              <a:extLst>
-                <a:ext uri="{FF2B5EF4-FFF2-40B4-BE49-F238E27FC236}">
-                  <a16:creationId xmlns:a16="http://schemas.microsoft.com/office/drawing/2014/main" id="{308AAF32-23EB-C8D4-0254-515D34A3E3B5}"/>
-                </a:ext>
-              </a:extLst>
-            </p:cNvPr>
-            <p:cNvSpPr txBox="1"/>
-            <p:nvPr/>
-          </p:nvSpPr>
-          <p:spPr>
-            <a:xfrm>
-              <a:off x="3538536" y="6017146"/>
-              <a:ext cx="2734111" cy="400110"/>
-            </a:xfrm>
-            <a:prstGeom prst="rect">
-              <a:avLst/>
-            </a:prstGeom>
-            <a:noFill/>
-          </p:spPr>
-          <p:txBody>
-            <a:bodyPr wrap="square" rtlCol="0">
-              <a:spAutoFit/>
-            </a:bodyPr>
-            <a:lstStyle/>
-            <a:p>
-              <a:pPr algn="ctr"/>
-              <a:r>
-                <a:rPr lang="en-US" sz="2000" dirty="0">
-                  <a:latin typeface="Bangla MN" pitchFamily="2" charset="0"/>
-                  <a:cs typeface="Bangla MN" pitchFamily="2" charset="0"/>
-                </a:rPr>
-                <a:t>Strong</a:t>
-              </a:r>
-            </a:p>
-          </p:txBody>
-        </p:sp>
-        <p:sp>
-          <p:nvSpPr>
-            <p:cNvPr id="11" name="TextBox 10">
-              <a:extLst>
-                <a:ext uri="{FF2B5EF4-FFF2-40B4-BE49-F238E27FC236}">
-                  <a16:creationId xmlns:a16="http://schemas.microsoft.com/office/drawing/2014/main" id="{CAAFF5B7-A0D6-5454-2071-D7FF186ADCD5}"/>
-                </a:ext>
-              </a:extLst>
-            </p:cNvPr>
-            <p:cNvSpPr txBox="1"/>
-            <p:nvPr/>
-          </p:nvSpPr>
-          <p:spPr>
-            <a:xfrm>
-              <a:off x="6409084" y="6017146"/>
-              <a:ext cx="2734111" cy="400110"/>
-            </a:xfrm>
-            <a:prstGeom prst="rect">
-              <a:avLst/>
-            </a:prstGeom>
-            <a:noFill/>
-          </p:spPr>
-          <p:txBody>
-            <a:bodyPr wrap="square" rtlCol="0">
-              <a:spAutoFit/>
-            </a:bodyPr>
-            <a:lstStyle/>
-            <a:p>
-              <a:pPr algn="ctr"/>
-              <a:r>
-                <a:rPr lang="en-US" sz="2000">
-                  <a:latin typeface="Bangla MN" pitchFamily="2" charset="0"/>
-                  <a:cs typeface="Bangla MN" pitchFamily="2" charset="0"/>
-                </a:rPr>
-                <a:t>Weak</a:t>
-              </a:r>
-            </a:p>
-          </p:txBody>
-        </p:sp>
-        <p:cxnSp>
-          <p:nvCxnSpPr>
-            <p:cNvPr id="13" name="Straight Arrow Connector 12">
-              <a:extLst>
-                <a:ext uri="{FF2B5EF4-FFF2-40B4-BE49-F238E27FC236}">
-                  <a16:creationId xmlns:a16="http://schemas.microsoft.com/office/drawing/2014/main" id="{6151BA68-FF9F-7002-F11C-BC5D956FE68B}"/>
-                </a:ext>
-              </a:extLst>
-            </p:cNvPr>
-            <p:cNvCxnSpPr/>
-            <p:nvPr/>
-          </p:nvCxnSpPr>
-          <p:spPr>
-            <a:xfrm>
-              <a:off x="4806884" y="6469110"/>
-              <a:ext cx="2730632" cy="0"/>
-            </a:xfrm>
-            <a:prstGeom prst="straightConnector1">
-              <a:avLst/>
-            </a:prstGeom>
-            <a:ln w="28575">
-              <a:solidFill>
-                <a:schemeClr val="tx1"/>
-              </a:solidFill>
-              <a:tailEnd type="triangle"/>
-            </a:ln>
-          </p:spPr>
-          <p:style>
-            <a:lnRef idx="1">
-              <a:schemeClr val="accent1"/>
-            </a:lnRef>
-            <a:fillRef idx="0">
-              <a:schemeClr val="accent1"/>
-            </a:fillRef>
-            <a:effectRef idx="0">
-              <a:schemeClr val="accent1"/>
-            </a:effectRef>
-            <a:fontRef idx="minor">
-              <a:schemeClr val="tx1"/>
-            </a:fontRef>
-          </p:style>
-        </p:cxnSp>
-      </p:grpSp>
-      <p:pic>
-        <p:nvPicPr>
-          <p:cNvPr id="16" name="Picture 15">
-            <a:extLst>
-              <a:ext uri="{FF2B5EF4-FFF2-40B4-BE49-F238E27FC236}">
-                <a16:creationId xmlns:a16="http://schemas.microsoft.com/office/drawing/2014/main" id="{D6702293-E06E-3D4A-B938-1EC2C208A019}"/>
-              </a:ext>
-            </a:extLst>
-          </p:cNvPr>
-          <p:cNvPicPr>
-            <a:picLocks noChangeAspect="1"/>
-          </p:cNvPicPr>
-          <p:nvPr/>
-        </p:nvPicPr>
-        <p:blipFill rotWithShape="1">
-          <a:blip r:embed="rId3"/>
-          <a:srcRect b="6186"/>
-          <a:stretch/>
-        </p:blipFill>
-        <p:spPr>
-          <a:xfrm>
-            <a:off x="10626793" y="0"/>
-            <a:ext cx="1565207" cy="1468390"/>
-          </a:xfrm>
-          <a:prstGeom prst="rect">
-            <a:avLst/>
-          </a:prstGeom>
-        </p:spPr>
-      </p:pic>
-      <p:sp>
-        <p:nvSpPr>
-          <p:cNvPr id="18" name="TextBox 17">
-            <a:extLst>
-              <a:ext uri="{FF2B5EF4-FFF2-40B4-BE49-F238E27FC236}">
-                <a16:creationId xmlns:a16="http://schemas.microsoft.com/office/drawing/2014/main" id="{F232A558-8534-164C-86E4-1614EA81630F}"/>
-              </a:ext>
-            </a:extLst>
-          </p:cNvPr>
-          <p:cNvSpPr txBox="1"/>
-          <p:nvPr/>
-        </p:nvSpPr>
-        <p:spPr>
-          <a:xfrm>
-            <a:off x="9266732" y="6596767"/>
-            <a:ext cx="3132405" cy="261610"/>
-          </a:xfrm>
-          <a:prstGeom prst="rect">
-            <a:avLst/>
-          </a:prstGeom>
-          <a:noFill/>
-        </p:spPr>
-        <p:txBody>
-          <a:bodyPr wrap="square" rtlCol="0">
-            <a:spAutoFit/>
-          </a:bodyPr>
-          <a:lstStyle/>
-          <a:p>
-            <a:pPr algn="ctr"/>
-            <a:r>
-              <a:rPr lang="en-US" sz="1100" dirty="0">
-                <a:latin typeface="Bangla MN" pitchFamily="2" charset="0"/>
-                <a:cs typeface="Bangla MN" pitchFamily="2" charset="0"/>
-              </a:rPr>
-              <a:t>Ethics Number: 2023-27613-44212-3</a:t>
-            </a:r>
-          </a:p>
-        </p:txBody>
-      </p:sp>
-    </p:spTree>
-    <p:extLst>
-      <p:ext uri="{BB962C8B-B14F-4D97-AF65-F5344CB8AC3E}">
-        <p14:creationId xmlns:p14="http://schemas.microsoft.com/office/powerpoint/2010/main" val="3009048559"/>
-      </p:ext>
-    </p:extLst>
-  </p:cSld>
-  <p:clrMapOvr>
-    <a:masterClrMapping/>
-  </p:clrMapOvr>
-</p:sld>
-</file>
-
-<file path=ppt/slides/slide17.xml><?xml version="1.0" encoding="utf-8"?>
-<p:sld xmlns:a="http://schemas.openxmlformats.org/drawingml/2006/main" xmlns:r="http://schemas.openxmlformats.org/officeDocument/2006/relationships" xmlns:p="http://schemas.openxmlformats.org/presentationml/2006/main">
-  <p:cSld>
-    <p:spTree>
-      <p:nvGrpSpPr>
-        <p:cNvPr id="1" name=""/>
-        <p:cNvGrpSpPr/>
-        <p:nvPr/>
-      </p:nvGrpSpPr>
-      <p:grpSpPr>
-        <a:xfrm>
-          <a:off x="0" y="0"/>
-          <a:ext cx="0" cy="0"/>
-          <a:chOff x="0" y="0"/>
-          <a:chExt cx="0" cy="0"/>
-        </a:xfrm>
-      </p:grpSpPr>
-      <p:sp>
-        <p:nvSpPr>
-          <p:cNvPr id="4" name="TextBox 3">
-            <a:extLst>
-              <a:ext uri="{FF2B5EF4-FFF2-40B4-BE49-F238E27FC236}">
-                <a16:creationId xmlns:a16="http://schemas.microsoft.com/office/drawing/2014/main" id="{C7B648B4-3C2F-E534-B2B1-776C3D057260}"/>
-              </a:ext>
-            </a:extLst>
-          </p:cNvPr>
-          <p:cNvSpPr txBox="1"/>
-          <p:nvPr/>
-        </p:nvSpPr>
-        <p:spPr>
-          <a:xfrm>
-            <a:off x="283026" y="440744"/>
-            <a:ext cx="7222674" cy="553998"/>
-          </a:xfrm>
-          <a:prstGeom prst="rect">
-            <a:avLst/>
-          </a:prstGeom>
-          <a:noFill/>
-        </p:spPr>
-        <p:txBody>
-          <a:bodyPr wrap="square" rtlCol="0">
-            <a:spAutoFit/>
-          </a:bodyPr>
-          <a:lstStyle/>
-          <a:p>
             <a:pPr marL="0" marR="0" lvl="0" indent="0" algn="l" defTabSz="914400" rtl="0" eaLnBrk="1" fontAlgn="auto" latinLnBrk="0" hangingPunct="1">
               <a:lnSpc>
                 <a:spcPct val="100000"/>
@@ -7572,7 +7342,7 @@
         <p:spPr>
           <a:xfrm>
             <a:off x="283026" y="1520244"/>
-            <a:ext cx="11632488" cy="1631216"/>
+            <a:ext cx="11504162" cy="1323439"/>
           </a:xfrm>
           <a:prstGeom prst="rect">
             <a:avLst/>
@@ -7585,177 +7355,41 @@
           </a:bodyPr>
           <a:lstStyle/>
           <a:p>
-            <a:pPr marL="0" marR="0" lvl="0" indent="0" algn="l" defTabSz="914400" rtl="0" eaLnBrk="1" fontAlgn="auto" latinLnBrk="0" hangingPunct="1">
-              <a:lnSpc>
-                <a:spcPct val="100000"/>
-              </a:lnSpc>
-              <a:spcBef>
-                <a:spcPts val="0"/>
-              </a:spcBef>
-              <a:spcAft>
-                <a:spcPts val="0"/>
-              </a:spcAft>
-              <a:buClrTx/>
-              <a:buSzTx/>
-              <a:buFontTx/>
-              <a:buNone/>
-              <a:tabLst/>
-              <a:defRPr/>
-            </a:pPr>
-            <a:r>
-              <a:rPr kumimoji="0" lang="en-US" sz="2000" b="0" i="0" u="none" strike="noStrike" kern="1200" cap="none" spc="0" normalizeH="0" baseline="0" noProof="0" dirty="0">
-                <a:ln>
-                  <a:noFill/>
-                </a:ln>
-                <a:solidFill>
-                  <a:prstClr val="black"/>
-                </a:solidFill>
-                <a:effectLst/>
-                <a:uLnTx/>
-                <a:uFillTx/>
-                <a:latin typeface="Bangla MN" pitchFamily="2" charset="0"/>
-                <a:ea typeface="+mn-ea"/>
-                <a:cs typeface="Bangla MN" pitchFamily="2" charset="0"/>
-              </a:rPr>
-              <a:t>The left darker lion is fully strong.</a:t>
-            </a:r>
-          </a:p>
-          <a:p>
-            <a:pPr marL="0" marR="0" lvl="0" indent="0" algn="l" defTabSz="914400" rtl="0" eaLnBrk="1" fontAlgn="auto" latinLnBrk="0" hangingPunct="1">
-              <a:lnSpc>
-                <a:spcPct val="100000"/>
-              </a:lnSpc>
-              <a:spcBef>
-                <a:spcPts val="0"/>
-              </a:spcBef>
-              <a:spcAft>
-                <a:spcPts val="0"/>
-              </a:spcAft>
-              <a:buClrTx/>
-              <a:buSzTx/>
-              <a:buFontTx/>
-              <a:buNone/>
-              <a:tabLst/>
-              <a:defRPr/>
-            </a:pPr>
-            <a:endParaRPr kumimoji="0" lang="en-US" sz="2000" b="0" i="0" u="none" strike="noStrike" kern="1200" cap="none" spc="0" normalizeH="0" baseline="0" noProof="0" dirty="0">
-              <a:ln>
-                <a:noFill/>
-              </a:ln>
-              <a:solidFill>
-                <a:prstClr val="black"/>
-              </a:solidFill>
-              <a:effectLst/>
-              <a:uLnTx/>
-              <a:uFillTx/>
+            <a:r>
+              <a:rPr lang="en-US" sz="2000" dirty="0">
+                <a:latin typeface="Bangla MN" pitchFamily="2" charset="0"/>
+                <a:cs typeface="Bangla MN" pitchFamily="2" charset="0"/>
+              </a:rPr>
+              <a:t>The animals will </a:t>
+            </a:r>
+            <a:r>
+              <a:rPr lang="en-US" sz="2000" b="1" dirty="0">
+                <a:latin typeface="Bangla MN" pitchFamily="2" charset="0"/>
+                <a:cs typeface="Bangla MN" pitchFamily="2" charset="0"/>
+              </a:rPr>
+              <a:t>vary in strength throughout the game</a:t>
+            </a:r>
+            <a:r>
+              <a:rPr lang="en-US" sz="2000" dirty="0">
+                <a:latin typeface="Bangla MN" pitchFamily="2" charset="0"/>
+                <a:cs typeface="Bangla MN" pitchFamily="2" charset="0"/>
+              </a:rPr>
+              <a:t>, both when you are playing as the animal and the animals you battle.</a:t>
+            </a:r>
+          </a:p>
+          <a:p>
+            <a:endParaRPr lang="en-US" sz="2000" dirty="0">
               <a:latin typeface="Bangla MN" pitchFamily="2" charset="0"/>
-              <a:ea typeface="+mn-ea"/>
               <a:cs typeface="Bangla MN" pitchFamily="2" charset="0"/>
             </a:endParaRPr>
           </a:p>
           <a:p>
-            <a:pPr marL="0" marR="0" lvl="0" indent="0" algn="l" defTabSz="914400" rtl="0" eaLnBrk="1" fontAlgn="auto" latinLnBrk="0" hangingPunct="1">
-              <a:lnSpc>
-                <a:spcPct val="100000"/>
-              </a:lnSpc>
-              <a:spcBef>
-                <a:spcPts val="0"/>
-              </a:spcBef>
-              <a:spcAft>
-                <a:spcPts val="0"/>
-              </a:spcAft>
-              <a:buClrTx/>
-              <a:buSzTx/>
-              <a:buFontTx/>
-              <a:buNone/>
-              <a:tabLst/>
-              <a:defRPr/>
-            </a:pPr>
-            <a:r>
-              <a:rPr kumimoji="0" lang="en-US" sz="2000" b="0" i="0" u="none" strike="noStrike" kern="1200" cap="none" spc="0" normalizeH="0" baseline="0" noProof="0" dirty="0">
-                <a:ln>
-                  <a:noFill/>
-                </a:ln>
-                <a:solidFill>
-                  <a:prstClr val="black"/>
-                </a:solidFill>
-                <a:effectLst/>
-                <a:uLnTx/>
-                <a:uFillTx/>
-                <a:latin typeface="Bangla MN" pitchFamily="2" charset="0"/>
-                <a:ea typeface="+mn-ea"/>
-                <a:cs typeface="Bangla MN" pitchFamily="2" charset="0"/>
-              </a:rPr>
-              <a:t>The right lighter lion is weak, perhaps by malnourishment, age, or injury.</a:t>
-            </a:r>
-          </a:p>
-          <a:p>
-            <a:pPr marL="0" marR="0" lvl="0" indent="0" algn="l" defTabSz="914400" rtl="0" eaLnBrk="1" fontAlgn="auto" latinLnBrk="0" hangingPunct="1">
-              <a:lnSpc>
-                <a:spcPct val="100000"/>
-              </a:lnSpc>
-              <a:spcBef>
-                <a:spcPts val="0"/>
-              </a:spcBef>
-              <a:spcAft>
-                <a:spcPts val="0"/>
-              </a:spcAft>
-              <a:buClrTx/>
-              <a:buSzTx/>
-              <a:buFontTx/>
-              <a:buNone/>
-              <a:tabLst/>
-              <a:defRPr/>
-            </a:pPr>
-            <a:endParaRPr kumimoji="0" lang="en-US" sz="2000" b="0" i="0" u="none" strike="noStrike" kern="1200" cap="none" spc="0" normalizeH="0" baseline="0" noProof="0" dirty="0">
-              <a:ln>
-                <a:noFill/>
-              </a:ln>
-              <a:solidFill>
-                <a:prstClr val="black"/>
-              </a:solidFill>
-              <a:effectLst/>
-              <a:uLnTx/>
-              <a:uFillTx/>
-              <a:latin typeface="Bangla MN" pitchFamily="2" charset="0"/>
-              <a:ea typeface="+mn-ea"/>
-              <a:cs typeface="Bangla MN" pitchFamily="2" charset="0"/>
-            </a:endParaRPr>
-          </a:p>
-          <a:p>
-            <a:pPr marL="0" marR="0" lvl="0" indent="0" algn="l" defTabSz="914400" rtl="0" eaLnBrk="1" fontAlgn="auto" latinLnBrk="0" hangingPunct="1">
-              <a:lnSpc>
-                <a:spcPct val="100000"/>
-              </a:lnSpc>
-              <a:spcBef>
-                <a:spcPts val="0"/>
-              </a:spcBef>
-              <a:spcAft>
-                <a:spcPts val="0"/>
-              </a:spcAft>
-              <a:buClrTx/>
-              <a:buSzTx/>
-              <a:buFontTx/>
-              <a:buNone/>
-              <a:tabLst/>
-              <a:defRPr/>
-            </a:pPr>
-            <a:r>
-              <a:rPr kumimoji="0" lang="en-US" sz="2000" b="0" i="0" u="none" strike="noStrike" kern="1200" cap="none" spc="0" normalizeH="0" baseline="0" noProof="0" dirty="0">
-                <a:ln>
-                  <a:noFill/>
-                </a:ln>
-                <a:solidFill>
-                  <a:prstClr val="black"/>
-                </a:solidFill>
-                <a:effectLst/>
-                <a:uLnTx/>
-                <a:uFillTx/>
-                <a:latin typeface="Bangla MN" pitchFamily="2" charset="0"/>
-                <a:ea typeface="+mn-ea"/>
-                <a:cs typeface="Bangla MN" pitchFamily="2" charset="0"/>
-              </a:rPr>
-              <a:t>The middle lion is medium strength in between the strongest and weakest lion.</a:t>
+            <a:r>
+              <a:rPr lang="en-US" sz="2000" dirty="0">
+                <a:latin typeface="Bangla MN" pitchFamily="2" charset="0"/>
+                <a:cs typeface="Bangla MN" pitchFamily="2" charset="0"/>
+              </a:rPr>
+              <a:t>Below is an example of the varying strengths of the lion:</a:t>
             </a:r>
           </a:p>
         </p:txBody>
@@ -7781,7 +7415,7 @@
         </p:blipFill>
         <p:spPr>
           <a:xfrm>
-            <a:off x="1703933" y="3373471"/>
+            <a:off x="1703933" y="3001172"/>
             <a:ext cx="2928045" cy="2641844"/>
           </a:xfrm>
           <a:prstGeom prst="rect">
@@ -7810,7 +7444,7 @@
         </p:blipFill>
         <p:spPr>
           <a:xfrm>
-            <a:off x="4631978" y="3344465"/>
+            <a:off x="4631978" y="3001173"/>
             <a:ext cx="2928044" cy="2641843"/>
           </a:xfrm>
           <a:prstGeom prst="rect">
@@ -7839,7 +7473,7 @@
         </p:blipFill>
         <p:spPr>
           <a:xfrm>
-            <a:off x="7560023" y="3344464"/>
+            <a:off x="7560022" y="3001173"/>
             <a:ext cx="2928044" cy="2641843"/>
           </a:xfrm>
           <a:prstGeom prst="rect">
@@ -7861,7 +7495,7 @@
         </p:nvGrpSpPr>
         <p:grpSpPr>
           <a:xfrm>
-            <a:off x="283027" y="6234938"/>
+            <a:off x="283026" y="5882299"/>
             <a:ext cx="11632488" cy="451964"/>
             <a:chOff x="3538536" y="6017146"/>
             <a:chExt cx="5604659" cy="451964"/>
@@ -8045,7 +7679,7 @@
           <p:cNvPr id="16" name="Picture 15">
             <a:extLst>
               <a:ext uri="{FF2B5EF4-FFF2-40B4-BE49-F238E27FC236}">
-                <a16:creationId xmlns:a16="http://schemas.microsoft.com/office/drawing/2014/main" id="{98CD6896-D390-2246-A41C-C0B5CC05A825}"/>
+                <a16:creationId xmlns:a16="http://schemas.microsoft.com/office/drawing/2014/main" id="{E5CFCCBC-CEC0-2D43-A234-9B0041C13720}"/>
               </a:ext>
             </a:extLst>
           </p:cNvPr>
@@ -8071,10 +7705,10 @@
       </p:pic>
       <p:sp>
         <p:nvSpPr>
-          <p:cNvPr id="18" name="TextBox 17">
-            <a:extLst>
-              <a:ext uri="{FF2B5EF4-FFF2-40B4-BE49-F238E27FC236}">
-                <a16:creationId xmlns:a16="http://schemas.microsoft.com/office/drawing/2014/main" id="{2BFC0ABF-4D1B-1348-B684-6589B5D4266B}"/>
+          <p:cNvPr id="19" name="TextBox 18">
+            <a:extLst>
+              <a:ext uri="{FF2B5EF4-FFF2-40B4-BE49-F238E27FC236}">
+                <a16:creationId xmlns:a16="http://schemas.microsoft.com/office/drawing/2014/main" id="{51A3A03D-8CB8-B345-93A8-2DAF1678958E}"/>
               </a:ext>
             </a:extLst>
           </p:cNvPr>
@@ -8111,7 +7745,7 @@
     </p:spTree>
     <p:extLst>
       <p:ext uri="{BB962C8B-B14F-4D97-AF65-F5344CB8AC3E}">
-        <p14:creationId xmlns:p14="http://schemas.microsoft.com/office/powerpoint/2010/main" val="273002773"/>
+        <p14:creationId xmlns:p14="http://schemas.microsoft.com/office/powerpoint/2010/main" val="2727915520"/>
       </p:ext>
     </p:extLst>
   </p:cSld>
@@ -8121,7 +7755,7 @@
 </p:sld>
 </file>
 
-<file path=ppt/slides/slide18.xml><?xml version="1.0" encoding="utf-8"?>
+<file path=ppt/slides/slide17.xml><?xml version="1.0" encoding="utf-8"?>
 <p:sld xmlns:a="http://schemas.openxmlformats.org/drawingml/2006/main" xmlns:r="http://schemas.openxmlformats.org/officeDocument/2006/relationships" xmlns:p="http://schemas.openxmlformats.org/presentationml/2006/main">
   <p:cSld>
     <p:spTree>
@@ -8218,7 +7852,7 @@
         <p:spPr>
           <a:xfrm>
             <a:off x="283026" y="1520244"/>
-            <a:ext cx="11632488" cy="1015663"/>
+            <a:ext cx="11632488" cy="1631216"/>
           </a:xfrm>
           <a:prstGeom prst="rect">
             <a:avLst/>
@@ -8263,7 +7897,7 @@
                 <a:ea typeface="+mn-ea"/>
                 <a:cs typeface="Bangla MN" pitchFamily="2" charset="0"/>
               </a:rPr>
-              <a:t>The stronger Lion is more capable than the weaker lion of defeating other animals.</a:t>
+              <a:t>The left darker lion is fully strong.</a:t>
             </a:r>
           </a:p>
           <a:p>
@@ -8332,7 +7966,76 @@
                 <a:ea typeface="+mn-ea"/>
                 <a:cs typeface="Bangla MN" pitchFamily="2" charset="0"/>
               </a:rPr>
-              <a:t>But the weaker Lion is still a strong predator.</a:t>
+              <a:t>The right lighter lion is weak, perhaps by malnourishment, age, or injury.</a:t>
+            </a:r>
+          </a:p>
+          <a:p>
+            <a:pPr marL="0" marR="0" lvl="0" indent="0" algn="l" defTabSz="914400" rtl="0" eaLnBrk="1" fontAlgn="auto" latinLnBrk="0" hangingPunct="1">
+              <a:lnSpc>
+                <a:spcPct val="100000"/>
+              </a:lnSpc>
+              <a:spcBef>
+                <a:spcPts val="0"/>
+              </a:spcBef>
+              <a:spcAft>
+                <a:spcPts val="0"/>
+              </a:spcAft>
+              <a:buClrTx/>
+              <a:buSzTx/>
+              <a:buFontTx/>
+              <a:buNone/>
+              <a:tabLst/>
+              <a:defRPr/>
+            </a:pPr>
+            <a:endParaRPr kumimoji="0" lang="en-US" sz="2000" b="0" i="0" u="none" strike="noStrike" kern="1200" cap="none" spc="0" normalizeH="0" baseline="0" noProof="0" dirty="0">
+              <a:ln>
+                <a:noFill/>
+              </a:ln>
+              <a:solidFill>
+                <a:prstClr val="black"/>
+              </a:solidFill>
+              <a:effectLst/>
+              <a:uLnTx/>
+              <a:uFillTx/>
+              <a:latin typeface="Bangla MN" pitchFamily="2" charset="0"/>
+              <a:ea typeface="+mn-ea"/>
+              <a:cs typeface="Bangla MN" pitchFamily="2" charset="0"/>
+            </a:endParaRPr>
+          </a:p>
+          <a:p>
+            <a:pPr marL="0" marR="0" lvl="0" indent="0" algn="l" defTabSz="914400" rtl="0" eaLnBrk="1" fontAlgn="auto" latinLnBrk="0" hangingPunct="1">
+              <a:lnSpc>
+                <a:spcPct val="100000"/>
+              </a:lnSpc>
+              <a:spcBef>
+                <a:spcPts val="0"/>
+              </a:spcBef>
+              <a:spcAft>
+                <a:spcPts val="0"/>
+              </a:spcAft>
+              <a:buClrTx/>
+              <a:buSzTx/>
+              <a:buFontTx/>
+              <a:buNone/>
+              <a:tabLst/>
+              <a:defRPr/>
+            </a:pPr>
+            <a:r>
+              <a:rPr kumimoji="0" lang="en-US" sz="2000" b="0" i="0" u="none" strike="noStrike" kern="1200" cap="none" spc="0" normalizeH="0" baseline="0" noProof="0" dirty="0">
+                <a:ln>
+                  <a:noFill/>
+                </a:ln>
+                <a:solidFill>
+                  <a:prstClr val="black"/>
+                </a:solidFill>
+                <a:effectLst/>
+                <a:uLnTx/>
+                <a:uFillTx/>
+                <a:latin typeface="Bangla MN" pitchFamily="2" charset="0"/>
+                <a:ea typeface="+mn-ea"/>
+                <a:cs typeface="Bangla MN" pitchFamily="2" charset="0"/>
+              </a:rPr>
+              <a:t>The middle lion is medium strength in between the strongest and weakest lion.</a:t>
             </a:r>
           </a:p>
         </p:txBody>
@@ -8358,7 +8061,7 @@
         </p:blipFill>
         <p:spPr>
           <a:xfrm>
-            <a:off x="1703933" y="3001172"/>
+            <a:off x="1703933" y="3373471"/>
             <a:ext cx="2928045" cy="2641844"/>
           </a:xfrm>
           <a:prstGeom prst="rect">
@@ -8387,7 +8090,7 @@
         </p:blipFill>
         <p:spPr>
           <a:xfrm>
-            <a:off x="4631978" y="3001173"/>
+            <a:off x="4631978" y="3344465"/>
             <a:ext cx="2928044" cy="2641843"/>
           </a:xfrm>
           <a:prstGeom prst="rect">
@@ -8416,7 +8119,7 @@
         </p:blipFill>
         <p:spPr>
           <a:xfrm>
-            <a:off x="7560022" y="3001173"/>
+            <a:off x="7560023" y="3344464"/>
             <a:ext cx="2928044" cy="2641843"/>
           </a:xfrm>
           <a:prstGeom prst="rect">
@@ -8438,7 +8141,7 @@
         </p:nvGrpSpPr>
         <p:grpSpPr>
           <a:xfrm>
-            <a:off x="283026" y="5882299"/>
+            <a:off x="283027" y="6234938"/>
             <a:ext cx="11632488" cy="451964"/>
             <a:chOff x="3538536" y="6017146"/>
             <a:chExt cx="5604659" cy="451964"/>
@@ -8622,6 +8325,583 @@
           <p:cNvPr id="16" name="Picture 15">
             <a:extLst>
               <a:ext uri="{FF2B5EF4-FFF2-40B4-BE49-F238E27FC236}">
+                <a16:creationId xmlns:a16="http://schemas.microsoft.com/office/drawing/2014/main" id="{98CD6896-D390-2246-A41C-C0B5CC05A825}"/>
+              </a:ext>
+            </a:extLst>
+          </p:cNvPr>
+          <p:cNvPicPr>
+            <a:picLocks noChangeAspect="1"/>
+          </p:cNvPicPr>
+          <p:nvPr/>
+        </p:nvPicPr>
+        <p:blipFill rotWithShape="1">
+          <a:blip r:embed="rId6"/>
+          <a:srcRect b="6186"/>
+          <a:stretch/>
+        </p:blipFill>
+        <p:spPr>
+          <a:xfrm>
+            <a:off x="10626793" y="0"/>
+            <a:ext cx="1565207" cy="1468390"/>
+          </a:xfrm>
+          <a:prstGeom prst="rect">
+            <a:avLst/>
+          </a:prstGeom>
+        </p:spPr>
+      </p:pic>
+      <p:sp>
+        <p:nvSpPr>
+          <p:cNvPr id="18" name="TextBox 17">
+            <a:extLst>
+              <a:ext uri="{FF2B5EF4-FFF2-40B4-BE49-F238E27FC236}">
+                <a16:creationId xmlns:a16="http://schemas.microsoft.com/office/drawing/2014/main" id="{2BFC0ABF-4D1B-1348-B684-6589B5D4266B}"/>
+              </a:ext>
+            </a:extLst>
+          </p:cNvPr>
+          <p:cNvSpPr txBox="1"/>
+          <p:nvPr/>
+        </p:nvSpPr>
+        <p:spPr>
+          <a:xfrm>
+            <a:off x="9266732" y="6596767"/>
+            <a:ext cx="3132405" cy="261610"/>
+          </a:xfrm>
+          <a:prstGeom prst="rect">
+            <a:avLst/>
+          </a:prstGeom>
+          <a:noFill/>
+        </p:spPr>
+        <p:txBody>
+          <a:bodyPr wrap="square" rtlCol="0">
+            <a:spAutoFit/>
+          </a:bodyPr>
+          <a:lstStyle/>
+          <a:p>
+            <a:pPr algn="ctr"/>
+            <a:r>
+              <a:rPr lang="en-US" sz="1100" dirty="0">
+                <a:latin typeface="Bangla MN" pitchFamily="2" charset="0"/>
+                <a:cs typeface="Bangla MN" pitchFamily="2" charset="0"/>
+              </a:rPr>
+              <a:t>Ethics Number: 2023-27613-44212-3</a:t>
+            </a:r>
+          </a:p>
+        </p:txBody>
+      </p:sp>
+    </p:spTree>
+    <p:extLst>
+      <p:ext uri="{BB962C8B-B14F-4D97-AF65-F5344CB8AC3E}">
+        <p14:creationId xmlns:p14="http://schemas.microsoft.com/office/powerpoint/2010/main" val="3121067551"/>
+      </p:ext>
+    </p:extLst>
+  </p:cSld>
+  <p:clrMapOvr>
+    <a:masterClrMapping/>
+  </p:clrMapOvr>
+</p:sld>
+</file>
+
+<file path=ppt/slides/slide18.xml><?xml version="1.0" encoding="utf-8"?>
+<p:sld xmlns:a="http://schemas.openxmlformats.org/drawingml/2006/main" xmlns:r="http://schemas.openxmlformats.org/officeDocument/2006/relationships" xmlns:p="http://schemas.openxmlformats.org/presentationml/2006/main">
+  <p:cSld>
+    <p:spTree>
+      <p:nvGrpSpPr>
+        <p:cNvPr id="1" name=""/>
+        <p:cNvGrpSpPr/>
+        <p:nvPr/>
+      </p:nvGrpSpPr>
+      <p:grpSpPr>
+        <a:xfrm>
+          <a:off x="0" y="0"/>
+          <a:ext cx="0" cy="0"/>
+          <a:chOff x="0" y="0"/>
+          <a:chExt cx="0" cy="0"/>
+        </a:xfrm>
+      </p:grpSpPr>
+      <p:sp>
+        <p:nvSpPr>
+          <p:cNvPr id="4" name="TextBox 3">
+            <a:extLst>
+              <a:ext uri="{FF2B5EF4-FFF2-40B4-BE49-F238E27FC236}">
+                <a16:creationId xmlns:a16="http://schemas.microsoft.com/office/drawing/2014/main" id="{C7B648B4-3C2F-E534-B2B1-776C3D057260}"/>
+              </a:ext>
+            </a:extLst>
+          </p:cNvPr>
+          <p:cNvSpPr txBox="1"/>
+          <p:nvPr/>
+        </p:nvSpPr>
+        <p:spPr>
+          <a:xfrm>
+            <a:off x="283026" y="440744"/>
+            <a:ext cx="7222674" cy="553998"/>
+          </a:xfrm>
+          <a:prstGeom prst="rect">
+            <a:avLst/>
+          </a:prstGeom>
+          <a:noFill/>
+        </p:spPr>
+        <p:txBody>
+          <a:bodyPr wrap="square" rtlCol="0">
+            <a:spAutoFit/>
+          </a:bodyPr>
+          <a:lstStyle/>
+          <a:p>
+            <a:pPr marL="0" marR="0" lvl="0" indent="0" algn="l" defTabSz="914400" rtl="0" eaLnBrk="1" fontAlgn="auto" latinLnBrk="0" hangingPunct="1">
+              <a:lnSpc>
+                <a:spcPct val="100000"/>
+              </a:lnSpc>
+              <a:spcBef>
+                <a:spcPts val="0"/>
+              </a:spcBef>
+              <a:spcAft>
+                <a:spcPts val="0"/>
+              </a:spcAft>
+              <a:buClrTx/>
+              <a:buSzTx/>
+              <a:buFontTx/>
+              <a:buNone/>
+              <a:tabLst/>
+              <a:defRPr/>
+            </a:pPr>
+            <a:r>
+              <a:rPr kumimoji="0" lang="en-US" sz="3000" b="0" i="0" u="none" strike="noStrike" kern="1200" cap="none" spc="0" normalizeH="0" baseline="0" noProof="0">
+                <a:ln>
+                  <a:noFill/>
+                </a:ln>
+                <a:solidFill>
+                  <a:prstClr val="black"/>
+                </a:solidFill>
+                <a:effectLst/>
+                <a:uLnTx/>
+                <a:uFillTx/>
+                <a:latin typeface="Bangla MN" pitchFamily="2" charset="0"/>
+                <a:ea typeface="+mn-ea"/>
+                <a:cs typeface="Bangla MN" pitchFamily="2" charset="0"/>
+              </a:rPr>
+              <a:t>Strength</a:t>
+            </a:r>
+          </a:p>
+        </p:txBody>
+      </p:sp>
+      <p:sp>
+        <p:nvSpPr>
+          <p:cNvPr id="8" name="TextBox 7">
+            <a:extLst>
+              <a:ext uri="{FF2B5EF4-FFF2-40B4-BE49-F238E27FC236}">
+                <a16:creationId xmlns:a16="http://schemas.microsoft.com/office/drawing/2014/main" id="{8C6C289F-44DC-B74A-5B96-78652F9DCA83}"/>
+              </a:ext>
+            </a:extLst>
+          </p:cNvPr>
+          <p:cNvSpPr txBox="1"/>
+          <p:nvPr/>
+        </p:nvSpPr>
+        <p:spPr>
+          <a:xfrm>
+            <a:off x="283026" y="1520244"/>
+            <a:ext cx="11632488" cy="1015663"/>
+          </a:xfrm>
+          <a:prstGeom prst="rect">
+            <a:avLst/>
+          </a:prstGeom>
+          <a:noFill/>
+        </p:spPr>
+        <p:txBody>
+          <a:bodyPr wrap="square" rtlCol="0">
+            <a:spAutoFit/>
+          </a:bodyPr>
+          <a:lstStyle/>
+          <a:p>
+            <a:pPr marL="0" marR="0" lvl="0" indent="0" algn="l" defTabSz="914400" rtl="0" eaLnBrk="1" fontAlgn="auto" latinLnBrk="0" hangingPunct="1">
+              <a:lnSpc>
+                <a:spcPct val="100000"/>
+              </a:lnSpc>
+              <a:spcBef>
+                <a:spcPts val="0"/>
+              </a:spcBef>
+              <a:spcAft>
+                <a:spcPts val="0"/>
+              </a:spcAft>
+              <a:buClrTx/>
+              <a:buSzTx/>
+              <a:buFontTx/>
+              <a:buNone/>
+              <a:tabLst/>
+              <a:defRPr/>
+            </a:pPr>
+            <a:r>
+              <a:rPr kumimoji="0" lang="en-US" sz="2000" b="0" i="0" u="none" strike="noStrike" kern="1200" cap="none" spc="0" normalizeH="0" baseline="0" noProof="0" dirty="0">
+                <a:ln>
+                  <a:noFill/>
+                </a:ln>
+                <a:solidFill>
+                  <a:prstClr val="black"/>
+                </a:solidFill>
+                <a:effectLst/>
+                <a:uLnTx/>
+                <a:uFillTx/>
+                <a:latin typeface="Bangla MN" pitchFamily="2" charset="0"/>
+                <a:ea typeface="+mn-ea"/>
+                <a:cs typeface="Bangla MN" pitchFamily="2" charset="0"/>
+              </a:rPr>
+              <a:t>The stronger Lion is more capable than the weaker lion of defeating other animals.</a:t>
+            </a:r>
+          </a:p>
+          <a:p>
+            <a:pPr marL="0" marR="0" lvl="0" indent="0" algn="l" defTabSz="914400" rtl="0" eaLnBrk="1" fontAlgn="auto" latinLnBrk="0" hangingPunct="1">
+              <a:lnSpc>
+                <a:spcPct val="100000"/>
+              </a:lnSpc>
+              <a:spcBef>
+                <a:spcPts val="0"/>
+              </a:spcBef>
+              <a:spcAft>
+                <a:spcPts val="0"/>
+              </a:spcAft>
+              <a:buClrTx/>
+              <a:buSzTx/>
+              <a:buFontTx/>
+              <a:buNone/>
+              <a:tabLst/>
+              <a:defRPr/>
+            </a:pPr>
+            <a:endParaRPr kumimoji="0" lang="en-US" sz="2000" b="0" i="0" u="none" strike="noStrike" kern="1200" cap="none" spc="0" normalizeH="0" baseline="0" noProof="0" dirty="0">
+              <a:ln>
+                <a:noFill/>
+              </a:ln>
+              <a:solidFill>
+                <a:prstClr val="black"/>
+              </a:solidFill>
+              <a:effectLst/>
+              <a:uLnTx/>
+              <a:uFillTx/>
+              <a:latin typeface="Bangla MN" pitchFamily="2" charset="0"/>
+              <a:ea typeface="+mn-ea"/>
+              <a:cs typeface="Bangla MN" pitchFamily="2" charset="0"/>
+            </a:endParaRPr>
+          </a:p>
+          <a:p>
+            <a:pPr marL="0" marR="0" lvl="0" indent="0" algn="l" defTabSz="914400" rtl="0" eaLnBrk="1" fontAlgn="auto" latinLnBrk="0" hangingPunct="1">
+              <a:lnSpc>
+                <a:spcPct val="100000"/>
+              </a:lnSpc>
+              <a:spcBef>
+                <a:spcPts val="0"/>
+              </a:spcBef>
+              <a:spcAft>
+                <a:spcPts val="0"/>
+              </a:spcAft>
+              <a:buClrTx/>
+              <a:buSzTx/>
+              <a:buFontTx/>
+              <a:buNone/>
+              <a:tabLst/>
+              <a:defRPr/>
+            </a:pPr>
+            <a:r>
+              <a:rPr kumimoji="0" lang="en-US" sz="2000" b="0" i="0" u="none" strike="noStrike" kern="1200" cap="none" spc="0" normalizeH="0" baseline="0" noProof="0" dirty="0">
+                <a:ln>
+                  <a:noFill/>
+                </a:ln>
+                <a:solidFill>
+                  <a:prstClr val="black"/>
+                </a:solidFill>
+                <a:effectLst/>
+                <a:uLnTx/>
+                <a:uFillTx/>
+                <a:latin typeface="Bangla MN" pitchFamily="2" charset="0"/>
+                <a:ea typeface="+mn-ea"/>
+                <a:cs typeface="Bangla MN" pitchFamily="2" charset="0"/>
+              </a:rPr>
+              <a:t>But the weaker Lion is still a strong predator.</a:t>
+            </a:r>
+          </a:p>
+        </p:txBody>
+      </p:sp>
+      <p:pic>
+        <p:nvPicPr>
+          <p:cNvPr id="2" name="Picture 1">
+            <a:extLst>
+              <a:ext uri="{FF2B5EF4-FFF2-40B4-BE49-F238E27FC236}">
+                <a16:creationId xmlns:a16="http://schemas.microsoft.com/office/drawing/2014/main" id="{5DF5685F-F07E-1AA4-81AE-183006759FE0}"/>
+              </a:ext>
+            </a:extLst>
+          </p:cNvPr>
+          <p:cNvPicPr>
+            <a:picLocks noChangeAspect="1"/>
+          </p:cNvPicPr>
+          <p:nvPr/>
+        </p:nvPicPr>
+        <p:blipFill>
+          <a:blip r:embed="rId3"/>
+          <a:srcRect/>
+          <a:stretch/>
+        </p:blipFill>
+        <p:spPr>
+          <a:xfrm>
+            <a:off x="1703933" y="3001172"/>
+            <a:ext cx="2928045" cy="2641844"/>
+          </a:xfrm>
+          <a:prstGeom prst="rect">
+            <a:avLst/>
+          </a:prstGeom>
+        </p:spPr>
+      </p:pic>
+      <p:pic>
+        <p:nvPicPr>
+          <p:cNvPr id="3" name="Picture 2">
+            <a:extLst>
+              <a:ext uri="{FF2B5EF4-FFF2-40B4-BE49-F238E27FC236}">
+                <a16:creationId xmlns:a16="http://schemas.microsoft.com/office/drawing/2014/main" id="{0CF6DA72-CE6D-D708-998D-71DE67D3B016}"/>
+              </a:ext>
+            </a:extLst>
+          </p:cNvPr>
+          <p:cNvPicPr>
+            <a:picLocks noChangeAspect="1"/>
+          </p:cNvPicPr>
+          <p:nvPr/>
+        </p:nvPicPr>
+        <p:blipFill>
+          <a:blip r:embed="rId4"/>
+          <a:srcRect/>
+          <a:stretch/>
+        </p:blipFill>
+        <p:spPr>
+          <a:xfrm>
+            <a:off x="4631978" y="3001173"/>
+            <a:ext cx="2928044" cy="2641843"/>
+          </a:xfrm>
+          <a:prstGeom prst="rect">
+            <a:avLst/>
+          </a:prstGeom>
+        </p:spPr>
+      </p:pic>
+      <p:pic>
+        <p:nvPicPr>
+          <p:cNvPr id="10" name="Picture 9">
+            <a:extLst>
+              <a:ext uri="{FF2B5EF4-FFF2-40B4-BE49-F238E27FC236}">
+                <a16:creationId xmlns:a16="http://schemas.microsoft.com/office/drawing/2014/main" id="{035D8B10-5F1F-481A-FA94-48817EBAC2F0}"/>
+              </a:ext>
+            </a:extLst>
+          </p:cNvPr>
+          <p:cNvPicPr>
+            <a:picLocks noChangeAspect="1"/>
+          </p:cNvPicPr>
+          <p:nvPr/>
+        </p:nvPicPr>
+        <p:blipFill>
+          <a:blip r:embed="rId5"/>
+          <a:srcRect/>
+          <a:stretch/>
+        </p:blipFill>
+        <p:spPr>
+          <a:xfrm>
+            <a:off x="7560022" y="3001173"/>
+            <a:ext cx="2928044" cy="2641843"/>
+          </a:xfrm>
+          <a:prstGeom prst="rect">
+            <a:avLst/>
+          </a:prstGeom>
+        </p:spPr>
+      </p:pic>
+      <p:grpSp>
+        <p:nvGrpSpPr>
+          <p:cNvPr id="11" name="Group 10">
+            <a:extLst>
+              <a:ext uri="{FF2B5EF4-FFF2-40B4-BE49-F238E27FC236}">
+                <a16:creationId xmlns:a16="http://schemas.microsoft.com/office/drawing/2014/main" id="{110632B5-2A94-6B94-386B-E2FAB6290FB2}"/>
+              </a:ext>
+            </a:extLst>
+          </p:cNvPr>
+          <p:cNvGrpSpPr/>
+          <p:nvPr/>
+        </p:nvGrpSpPr>
+        <p:grpSpPr>
+          <a:xfrm>
+            <a:off x="283026" y="5882299"/>
+            <a:ext cx="11632488" cy="451964"/>
+            <a:chOff x="3538536" y="6017146"/>
+            <a:chExt cx="5604659" cy="451964"/>
+          </a:xfrm>
+        </p:grpSpPr>
+        <p:sp>
+          <p:nvSpPr>
+            <p:cNvPr id="12" name="TextBox 11">
+              <a:extLst>
+                <a:ext uri="{FF2B5EF4-FFF2-40B4-BE49-F238E27FC236}">
+                  <a16:creationId xmlns:a16="http://schemas.microsoft.com/office/drawing/2014/main" id="{562D1D11-58D5-86D6-9890-ADB53BCC3373}"/>
+                </a:ext>
+              </a:extLst>
+            </p:cNvPr>
+            <p:cNvSpPr txBox="1"/>
+            <p:nvPr/>
+          </p:nvSpPr>
+          <p:spPr>
+            <a:xfrm>
+              <a:off x="3538536" y="6017146"/>
+              <a:ext cx="2734111" cy="400110"/>
+            </a:xfrm>
+            <a:prstGeom prst="rect">
+              <a:avLst/>
+            </a:prstGeom>
+            <a:noFill/>
+          </p:spPr>
+          <p:txBody>
+            <a:bodyPr wrap="square" rtlCol="0">
+              <a:spAutoFit/>
+            </a:bodyPr>
+            <a:lstStyle/>
+            <a:p>
+              <a:pPr marL="0" marR="0" lvl="0" indent="0" algn="ctr" defTabSz="914400" rtl="0" eaLnBrk="1" fontAlgn="auto" latinLnBrk="0" hangingPunct="1">
+                <a:lnSpc>
+                  <a:spcPct val="100000"/>
+                </a:lnSpc>
+                <a:spcBef>
+                  <a:spcPts val="0"/>
+                </a:spcBef>
+                <a:spcAft>
+                  <a:spcPts val="0"/>
+                </a:spcAft>
+                <a:buClrTx/>
+                <a:buSzTx/>
+                <a:buFontTx/>
+                <a:buNone/>
+                <a:tabLst/>
+                <a:defRPr/>
+              </a:pPr>
+              <a:r>
+                <a:rPr kumimoji="0" lang="en-US" sz="2000" b="0" i="0" u="none" strike="noStrike" kern="1200" cap="none" spc="0" normalizeH="0" baseline="0" noProof="0" dirty="0">
+                  <a:ln>
+                    <a:noFill/>
+                  </a:ln>
+                  <a:solidFill>
+                    <a:prstClr val="black"/>
+                  </a:solidFill>
+                  <a:effectLst/>
+                  <a:uLnTx/>
+                  <a:uFillTx/>
+                  <a:latin typeface="Bangla MN" pitchFamily="2" charset="0"/>
+                  <a:ea typeface="+mn-ea"/>
+                  <a:cs typeface="Bangla MN" pitchFamily="2" charset="0"/>
+                </a:rPr>
+                <a:t>Strong</a:t>
+              </a:r>
+            </a:p>
+          </p:txBody>
+        </p:sp>
+        <p:sp>
+          <p:nvSpPr>
+            <p:cNvPr id="13" name="TextBox 12">
+              <a:extLst>
+                <a:ext uri="{FF2B5EF4-FFF2-40B4-BE49-F238E27FC236}">
+                  <a16:creationId xmlns:a16="http://schemas.microsoft.com/office/drawing/2014/main" id="{A6E7B741-5178-16AB-BB44-1E84616E14DA}"/>
+                </a:ext>
+              </a:extLst>
+            </p:cNvPr>
+            <p:cNvSpPr txBox="1"/>
+            <p:nvPr/>
+          </p:nvSpPr>
+          <p:spPr>
+            <a:xfrm>
+              <a:off x="6409084" y="6017146"/>
+              <a:ext cx="2734111" cy="400110"/>
+            </a:xfrm>
+            <a:prstGeom prst="rect">
+              <a:avLst/>
+            </a:prstGeom>
+            <a:noFill/>
+          </p:spPr>
+          <p:txBody>
+            <a:bodyPr wrap="square" rtlCol="0">
+              <a:spAutoFit/>
+            </a:bodyPr>
+            <a:lstStyle/>
+            <a:p>
+              <a:pPr marL="0" marR="0" lvl="0" indent="0" algn="ctr" defTabSz="914400" rtl="0" eaLnBrk="1" fontAlgn="auto" latinLnBrk="0" hangingPunct="1">
+                <a:lnSpc>
+                  <a:spcPct val="100000"/>
+                </a:lnSpc>
+                <a:spcBef>
+                  <a:spcPts val="0"/>
+                </a:spcBef>
+                <a:spcAft>
+                  <a:spcPts val="0"/>
+                </a:spcAft>
+                <a:buClrTx/>
+                <a:buSzTx/>
+                <a:buFontTx/>
+                <a:buNone/>
+                <a:tabLst/>
+                <a:defRPr/>
+              </a:pPr>
+              <a:r>
+                <a:rPr kumimoji="0" lang="en-US" sz="2000" b="0" i="0" u="none" strike="noStrike" kern="1200" cap="none" spc="0" normalizeH="0" baseline="0" noProof="0" dirty="0">
+                  <a:ln>
+                    <a:noFill/>
+                  </a:ln>
+                  <a:solidFill>
+                    <a:prstClr val="black"/>
+                  </a:solidFill>
+                  <a:effectLst/>
+                  <a:uLnTx/>
+                  <a:uFillTx/>
+                  <a:latin typeface="Bangla MN" pitchFamily="2" charset="0"/>
+                  <a:ea typeface="+mn-ea"/>
+                  <a:cs typeface="Bangla MN" pitchFamily="2" charset="0"/>
+                </a:rPr>
+                <a:t>Weak</a:t>
+              </a:r>
+            </a:p>
+          </p:txBody>
+        </p:sp>
+        <p:cxnSp>
+          <p:nvCxnSpPr>
+            <p:cNvPr id="14" name="Straight Arrow Connector 13">
+              <a:extLst>
+                <a:ext uri="{FF2B5EF4-FFF2-40B4-BE49-F238E27FC236}">
+                  <a16:creationId xmlns:a16="http://schemas.microsoft.com/office/drawing/2014/main" id="{C263BA95-E774-62A3-221E-DDAE3607804E}"/>
+                </a:ext>
+              </a:extLst>
+            </p:cNvPr>
+            <p:cNvCxnSpPr/>
+            <p:nvPr/>
+          </p:nvCxnSpPr>
+          <p:spPr>
+            <a:xfrm>
+              <a:off x="4806884" y="6469110"/>
+              <a:ext cx="2730632" cy="0"/>
+            </a:xfrm>
+            <a:prstGeom prst="straightConnector1">
+              <a:avLst/>
+            </a:prstGeom>
+            <a:ln w="28575">
+              <a:solidFill>
+                <a:schemeClr val="tx1"/>
+              </a:solidFill>
+              <a:tailEnd type="triangle"/>
+            </a:ln>
+          </p:spPr>
+          <p:style>
+            <a:lnRef idx="1">
+              <a:schemeClr val="accent1"/>
+            </a:lnRef>
+            <a:fillRef idx="0">
+              <a:schemeClr val="accent1"/>
+            </a:fillRef>
+            <a:effectRef idx="0">
+              <a:schemeClr val="accent1"/>
+            </a:effectRef>
+            <a:fontRef idx="minor">
+              <a:schemeClr val="tx1"/>
+            </a:fontRef>
+          </p:style>
+        </p:cxnSp>
+      </p:grpSp>
+      <p:pic>
+        <p:nvPicPr>
+          <p:cNvPr id="16" name="Picture 15">
+            <a:extLst>
+              <a:ext uri="{FF2B5EF4-FFF2-40B4-BE49-F238E27FC236}">
                 <a16:creationId xmlns:a16="http://schemas.microsoft.com/office/drawing/2014/main" id="{E5CFCCBC-CEC0-2D43-A234-9B0041C13720}"/>
               </a:ext>
             </a:extLst>
@@ -8806,66 +9086,6 @@
           </a:p>
         </p:txBody>
       </p:sp>
-      <p:pic>
-        <p:nvPicPr>
-          <p:cNvPr id="3" name="Picture 2" descr="A picture containing dark&#10;&#10;Description automatically generated">
-            <a:extLst>
-              <a:ext uri="{FF2B5EF4-FFF2-40B4-BE49-F238E27FC236}">
-                <a16:creationId xmlns:a16="http://schemas.microsoft.com/office/drawing/2014/main" id="{4E34A676-44E4-E7D8-C2C5-286DA5ECF10C}"/>
-              </a:ext>
-            </a:extLst>
-          </p:cNvPr>
-          <p:cNvPicPr>
-            <a:picLocks noChangeAspect="1"/>
-          </p:cNvPicPr>
-          <p:nvPr/>
-        </p:nvPicPr>
-        <p:blipFill>
-          <a:blip r:embed="rId2"/>
-          <a:stretch>
-            <a:fillRect/>
-          </a:stretch>
-        </p:blipFill>
-        <p:spPr>
-          <a:xfrm>
-            <a:off x="2058492" y="2644469"/>
-            <a:ext cx="3243072" cy="2926080"/>
-          </a:xfrm>
-          <a:prstGeom prst="rect">
-            <a:avLst/>
-          </a:prstGeom>
-        </p:spPr>
-      </p:pic>
-      <p:pic>
-        <p:nvPicPr>
-          <p:cNvPr id="11" name="Picture 10" descr="A picture containing night sky&#10;&#10;Description automatically generated">
-            <a:extLst>
-              <a:ext uri="{FF2B5EF4-FFF2-40B4-BE49-F238E27FC236}">
-                <a16:creationId xmlns:a16="http://schemas.microsoft.com/office/drawing/2014/main" id="{AE8DD2DA-3129-280A-2A00-84FE678E3271}"/>
-              </a:ext>
-            </a:extLst>
-          </p:cNvPr>
-          <p:cNvPicPr>
-            <a:picLocks noChangeAspect="1"/>
-          </p:cNvPicPr>
-          <p:nvPr/>
-        </p:nvPicPr>
-        <p:blipFill>
-          <a:blip r:embed="rId3"/>
-          <a:stretch>
-            <a:fillRect/>
-          </a:stretch>
-        </p:blipFill>
-        <p:spPr>
-          <a:xfrm>
-            <a:off x="6752230" y="2644469"/>
-            <a:ext cx="3243072" cy="2926080"/>
-          </a:xfrm>
-          <a:prstGeom prst="rect">
-            <a:avLst/>
-          </a:prstGeom>
-        </p:spPr>
-      </p:pic>
       <p:grpSp>
         <p:nvGrpSpPr>
           <p:cNvPr id="12" name="Group 11">
@@ -8880,7 +9100,7 @@
         </p:nvGrpSpPr>
         <p:grpSpPr>
           <a:xfrm>
-            <a:off x="877698" y="5570549"/>
+            <a:off x="491341" y="5389137"/>
             <a:ext cx="5604659" cy="451964"/>
             <a:chOff x="3538536" y="6017146"/>
             <a:chExt cx="5604659" cy="451964"/>
@@ -8955,7 +9175,7 @@
             <a:p>
               <a:pPr algn="ctr"/>
               <a:r>
-                <a:rPr lang="en-US" sz="2000">
+                <a:rPr lang="en-US" sz="2000" dirty="0">
                   <a:latin typeface="Bangla MN" pitchFamily="2" charset="0"/>
                   <a:cs typeface="Bangla MN" pitchFamily="2" charset="0"/>
                 </a:rPr>
@@ -9021,7 +9241,7 @@
         </p:nvGrpSpPr>
         <p:grpSpPr>
           <a:xfrm>
-            <a:off x="5571436" y="5571188"/>
+            <a:off x="6096000" y="5389137"/>
             <a:ext cx="5604659" cy="451964"/>
             <a:chOff x="3538536" y="6017146"/>
             <a:chExt cx="5604659" cy="451964"/>
@@ -9163,7 +9383,7 @@
           <p:nvPr/>
         </p:nvPicPr>
         <p:blipFill rotWithShape="1">
-          <a:blip r:embed="rId4"/>
+          <a:blip r:embed="rId2"/>
           <a:srcRect b="6186"/>
           <a:stretch/>
         </p:blipFill>
@@ -9216,6 +9436,186 @@
           </a:p>
         </p:txBody>
       </p:sp>
+      <p:pic>
+        <p:nvPicPr>
+          <p:cNvPr id="20" name="Picture 19">
+            <a:extLst>
+              <a:ext uri="{FF2B5EF4-FFF2-40B4-BE49-F238E27FC236}">
+                <a16:creationId xmlns:a16="http://schemas.microsoft.com/office/drawing/2014/main" id="{1E9025EE-13ED-C24A-A886-A873C98CE58C}"/>
+              </a:ext>
+            </a:extLst>
+          </p:cNvPr>
+          <p:cNvPicPr>
+            <a:picLocks noChangeAspect="1"/>
+          </p:cNvPicPr>
+          <p:nvPr/>
+        </p:nvPicPr>
+        <p:blipFill>
+          <a:blip r:embed="rId3"/>
+          <a:stretch>
+            <a:fillRect/>
+          </a:stretch>
+        </p:blipFill>
+        <p:spPr>
+          <a:xfrm>
+            <a:off x="651784" y="3270415"/>
+            <a:ext cx="1689100" cy="1524000"/>
+          </a:xfrm>
+          <a:prstGeom prst="rect">
+            <a:avLst/>
+          </a:prstGeom>
+        </p:spPr>
+      </p:pic>
+      <p:pic>
+        <p:nvPicPr>
+          <p:cNvPr id="5" name="Picture 4">
+            <a:extLst>
+              <a:ext uri="{FF2B5EF4-FFF2-40B4-BE49-F238E27FC236}">
+                <a16:creationId xmlns:a16="http://schemas.microsoft.com/office/drawing/2014/main" id="{6434C453-1F7A-754E-8B02-A520E997F01B}"/>
+              </a:ext>
+            </a:extLst>
+          </p:cNvPr>
+          <p:cNvPicPr>
+            <a:picLocks noChangeAspect="1"/>
+          </p:cNvPicPr>
+          <p:nvPr/>
+        </p:nvPicPr>
+        <p:blipFill>
+          <a:blip r:embed="rId4"/>
+          <a:stretch>
+            <a:fillRect/>
+          </a:stretch>
+        </p:blipFill>
+        <p:spPr>
+          <a:xfrm>
+            <a:off x="2380900" y="3270415"/>
+            <a:ext cx="1689100" cy="1524000"/>
+          </a:xfrm>
+          <a:prstGeom prst="rect">
+            <a:avLst/>
+          </a:prstGeom>
+        </p:spPr>
+      </p:pic>
+      <p:pic>
+        <p:nvPicPr>
+          <p:cNvPr id="7" name="Picture 6">
+            <a:extLst>
+              <a:ext uri="{FF2B5EF4-FFF2-40B4-BE49-F238E27FC236}">
+                <a16:creationId xmlns:a16="http://schemas.microsoft.com/office/drawing/2014/main" id="{F26380F5-2522-C545-8635-25BEC2C46D70}"/>
+              </a:ext>
+            </a:extLst>
+          </p:cNvPr>
+          <p:cNvPicPr>
+            <a:picLocks noChangeAspect="1"/>
+          </p:cNvPicPr>
+          <p:nvPr/>
+        </p:nvPicPr>
+        <p:blipFill>
+          <a:blip r:embed="rId5"/>
+          <a:stretch>
+            <a:fillRect/>
+          </a:stretch>
+        </p:blipFill>
+        <p:spPr>
+          <a:xfrm>
+            <a:off x="4110015" y="3270415"/>
+            <a:ext cx="1689100" cy="1524000"/>
+          </a:xfrm>
+          <a:prstGeom prst="rect">
+            <a:avLst/>
+          </a:prstGeom>
+        </p:spPr>
+      </p:pic>
+      <p:pic>
+        <p:nvPicPr>
+          <p:cNvPr id="10" name="Picture 9">
+            <a:extLst>
+              <a:ext uri="{FF2B5EF4-FFF2-40B4-BE49-F238E27FC236}">
+                <a16:creationId xmlns:a16="http://schemas.microsoft.com/office/drawing/2014/main" id="{21D6F7D2-760B-464A-9F62-FA5AA120CBA7}"/>
+              </a:ext>
+            </a:extLst>
+          </p:cNvPr>
+          <p:cNvPicPr>
+            <a:picLocks noChangeAspect="1"/>
+          </p:cNvPicPr>
+          <p:nvPr/>
+        </p:nvPicPr>
+        <p:blipFill>
+          <a:blip r:embed="rId6"/>
+          <a:stretch>
+            <a:fillRect/>
+          </a:stretch>
+        </p:blipFill>
+        <p:spPr>
+          <a:xfrm>
+            <a:off x="6392886" y="3270415"/>
+            <a:ext cx="1689100" cy="1524000"/>
+          </a:xfrm>
+          <a:prstGeom prst="rect">
+            <a:avLst/>
+          </a:prstGeom>
+        </p:spPr>
+      </p:pic>
+      <p:pic>
+        <p:nvPicPr>
+          <p:cNvPr id="24" name="Picture 23">
+            <a:extLst>
+              <a:ext uri="{FF2B5EF4-FFF2-40B4-BE49-F238E27FC236}">
+                <a16:creationId xmlns:a16="http://schemas.microsoft.com/office/drawing/2014/main" id="{19128062-E1EF-FD4F-8A9E-3D86F11E7B66}"/>
+              </a:ext>
+            </a:extLst>
+          </p:cNvPr>
+          <p:cNvPicPr>
+            <a:picLocks noChangeAspect="1"/>
+          </p:cNvPicPr>
+          <p:nvPr/>
+        </p:nvPicPr>
+        <p:blipFill>
+          <a:blip r:embed="rId7"/>
+          <a:stretch>
+            <a:fillRect/>
+          </a:stretch>
+        </p:blipFill>
+        <p:spPr>
+          <a:xfrm>
+            <a:off x="8105300" y="3270415"/>
+            <a:ext cx="1689100" cy="1524000"/>
+          </a:xfrm>
+          <a:prstGeom prst="rect">
+            <a:avLst/>
+          </a:prstGeom>
+        </p:spPr>
+      </p:pic>
+      <p:pic>
+        <p:nvPicPr>
+          <p:cNvPr id="26" name="Picture 25">
+            <a:extLst>
+              <a:ext uri="{FF2B5EF4-FFF2-40B4-BE49-F238E27FC236}">
+                <a16:creationId xmlns:a16="http://schemas.microsoft.com/office/drawing/2014/main" id="{AA1317E9-C28A-5148-8354-1D5BA43DC0BF}"/>
+              </a:ext>
+            </a:extLst>
+          </p:cNvPr>
+          <p:cNvPicPr>
+            <a:picLocks noChangeAspect="1"/>
+          </p:cNvPicPr>
+          <p:nvPr/>
+        </p:nvPicPr>
+        <p:blipFill>
+          <a:blip r:embed="rId8"/>
+          <a:stretch>
+            <a:fillRect/>
+          </a:stretch>
+        </p:blipFill>
+        <p:spPr>
+          <a:xfrm>
+            <a:off x="9851116" y="3270415"/>
+            <a:ext cx="1689100" cy="1524000"/>
+          </a:xfrm>
+          <a:prstGeom prst="rect">
+            <a:avLst/>
+          </a:prstGeom>
+        </p:spPr>
+      </p:pic>
     </p:spTree>
     <p:extLst>
       <p:ext uri="{BB962C8B-B14F-4D97-AF65-F5344CB8AC3E}">
@@ -9700,7 +10100,7 @@
         <p:spPr>
           <a:xfrm>
             <a:off x="283026" y="1520244"/>
-            <a:ext cx="11632488" cy="1323439"/>
+            <a:ext cx="11632488" cy="1631216"/>
           </a:xfrm>
           <a:prstGeom prst="rect">
             <a:avLst/>
@@ -9767,17 +10167,17 @@
                 <a:ea typeface="+mn-ea"/>
                 <a:cs typeface="Bangla MN" pitchFamily="2" charset="0"/>
               </a:rPr>
-              <a:t>For example, here you will be playing as a hyena in the next 30 trials:</a:t>
+              <a:t>For example, here you will be playing as a hyena of different strength in the next 30 trials:</a:t>
             </a:r>
           </a:p>
         </p:txBody>
       </p:sp>
       <p:pic>
         <p:nvPicPr>
-          <p:cNvPr id="3" name="Picture 2" descr="A picture containing dark&#10;&#10;Description automatically generated">
-            <a:extLst>
-              <a:ext uri="{FF2B5EF4-FFF2-40B4-BE49-F238E27FC236}">
-                <a16:creationId xmlns:a16="http://schemas.microsoft.com/office/drawing/2014/main" id="{B3D02F3B-FAE2-3066-2F41-DFDB0A1CF64F}"/>
+          <p:cNvPr id="11" name="Picture 10">
+            <a:extLst>
+              <a:ext uri="{FF2B5EF4-FFF2-40B4-BE49-F238E27FC236}">
+                <a16:creationId xmlns:a16="http://schemas.microsoft.com/office/drawing/2014/main" id="{05AA7A5F-A1CB-074D-8F39-10A2C8515242}"/>
               </a:ext>
             </a:extLst>
           </p:cNvPr>
@@ -9786,16 +10186,84 @@
           </p:cNvPicPr>
           <p:nvPr/>
         </p:nvPicPr>
+        <p:blipFill rotWithShape="1">
+          <a:blip r:embed="rId3"/>
+          <a:srcRect b="6186"/>
+          <a:stretch/>
+        </p:blipFill>
+        <p:spPr>
+          <a:xfrm>
+            <a:off x="10626793" y="0"/>
+            <a:ext cx="1565207" cy="1468390"/>
+          </a:xfrm>
+          <a:prstGeom prst="rect">
+            <a:avLst/>
+          </a:prstGeom>
+        </p:spPr>
+      </p:pic>
+      <p:sp>
+        <p:nvSpPr>
+          <p:cNvPr id="13" name="TextBox 12">
+            <a:extLst>
+              <a:ext uri="{FF2B5EF4-FFF2-40B4-BE49-F238E27FC236}">
+                <a16:creationId xmlns:a16="http://schemas.microsoft.com/office/drawing/2014/main" id="{135E7CA0-1F6D-C44B-BE2C-B6B5B00DE8D2}"/>
+              </a:ext>
+            </a:extLst>
+          </p:cNvPr>
+          <p:cNvSpPr txBox="1"/>
+          <p:nvPr/>
+        </p:nvSpPr>
+        <p:spPr>
+          <a:xfrm>
+            <a:off x="9266732" y="6596767"/>
+            <a:ext cx="3132405" cy="261610"/>
+          </a:xfrm>
+          <a:prstGeom prst="rect">
+            <a:avLst/>
+          </a:prstGeom>
+          <a:noFill/>
+        </p:spPr>
+        <p:txBody>
+          <a:bodyPr wrap="square" rtlCol="0">
+            <a:spAutoFit/>
+          </a:bodyPr>
+          <a:lstStyle/>
+          <a:p>
+            <a:pPr algn="ctr"/>
+            <a:r>
+              <a:rPr lang="en-US" sz="1100" dirty="0">
+                <a:latin typeface="Bangla MN" pitchFamily="2" charset="0"/>
+                <a:cs typeface="Bangla MN" pitchFamily="2" charset="0"/>
+              </a:rPr>
+              <a:t>Ethics Number: 2023-27613-44212-3</a:t>
+            </a:r>
+          </a:p>
+        </p:txBody>
+      </p:sp>
+      <p:pic>
+        <p:nvPicPr>
+          <p:cNvPr id="7" name="Picture 6">
+            <a:extLst>
+              <a:ext uri="{FF2B5EF4-FFF2-40B4-BE49-F238E27FC236}">
+                <a16:creationId xmlns:a16="http://schemas.microsoft.com/office/drawing/2014/main" id="{96253CB5-F993-5D4F-9A53-C197661E0F0B}"/>
+              </a:ext>
+            </a:extLst>
+          </p:cNvPr>
+          <p:cNvPicPr>
+            <a:picLocks noChangeAspect="1"/>
+          </p:cNvPicPr>
+          <p:nvPr/>
+        </p:nvPicPr>
         <p:blipFill>
-          <a:blip r:embed="rId3"/>
+          <a:blip r:embed="rId4"/>
           <a:stretch>
             <a:fillRect/>
           </a:stretch>
         </p:blipFill>
         <p:spPr>
           <a:xfrm>
-            <a:off x="4631550" y="3429000"/>
-            <a:ext cx="2928899" cy="2642616"/>
+            <a:off x="1703934" y="3429000"/>
+            <a:ext cx="2928044" cy="2641844"/>
           </a:xfrm>
           <a:prstGeom prst="rect">
             <a:avLst/>
@@ -9804,10 +10272,10 @@
       </p:pic>
       <p:pic>
         <p:nvPicPr>
-          <p:cNvPr id="11" name="Picture 10">
-            <a:extLst>
-              <a:ext uri="{FF2B5EF4-FFF2-40B4-BE49-F238E27FC236}">
-                <a16:creationId xmlns:a16="http://schemas.microsoft.com/office/drawing/2014/main" id="{05AA7A5F-A1CB-074D-8F39-10A2C8515242}"/>
+          <p:cNvPr id="9" name="Picture 8">
+            <a:extLst>
+              <a:ext uri="{FF2B5EF4-FFF2-40B4-BE49-F238E27FC236}">
+                <a16:creationId xmlns:a16="http://schemas.microsoft.com/office/drawing/2014/main" id="{5EBF1AA3-F90A-9A4B-99AD-75626821355F}"/>
               </a:ext>
             </a:extLst>
           </p:cNvPr>
@@ -9816,60 +10284,52 @@
           </p:cNvPicPr>
           <p:nvPr/>
         </p:nvPicPr>
-        <p:blipFill rotWithShape="1">
-          <a:blip r:embed="rId4"/>
-          <a:srcRect b="6186"/>
-          <a:stretch/>
+        <p:blipFill>
+          <a:blip r:embed="rId5"/>
+          <a:stretch>
+            <a:fillRect/>
+          </a:stretch>
         </p:blipFill>
         <p:spPr>
           <a:xfrm>
-            <a:off x="10626793" y="0"/>
-            <a:ext cx="1565207" cy="1468390"/>
+            <a:off x="4645418" y="3432036"/>
+            <a:ext cx="2901164" cy="2617592"/>
           </a:xfrm>
           <a:prstGeom prst="rect">
             <a:avLst/>
           </a:prstGeom>
         </p:spPr>
       </p:pic>
-      <p:sp>
-        <p:nvSpPr>
-          <p:cNvPr id="13" name="TextBox 12">
-            <a:extLst>
-              <a:ext uri="{FF2B5EF4-FFF2-40B4-BE49-F238E27FC236}">
-                <a16:creationId xmlns:a16="http://schemas.microsoft.com/office/drawing/2014/main" id="{135E7CA0-1F6D-C44B-BE2C-B6B5B00DE8D2}"/>
-              </a:ext>
-            </a:extLst>
-          </p:cNvPr>
-          <p:cNvSpPr txBox="1"/>
-          <p:nvPr/>
-        </p:nvSpPr>
-        <p:spPr>
-          <a:xfrm>
-            <a:off x="9266732" y="6596767"/>
-            <a:ext cx="3132405" cy="261610"/>
-          </a:xfrm>
-          <a:prstGeom prst="rect">
-            <a:avLst/>
-          </a:prstGeom>
-          <a:noFill/>
-        </p:spPr>
-        <p:txBody>
-          <a:bodyPr wrap="square" rtlCol="0">
-            <a:spAutoFit/>
-          </a:bodyPr>
-          <a:lstStyle/>
-          <a:p>
-            <a:pPr algn="ctr"/>
-            <a:r>
-              <a:rPr lang="en-US" sz="1100" dirty="0">
-                <a:latin typeface="Bangla MN" pitchFamily="2" charset="0"/>
-                <a:cs typeface="Bangla MN" pitchFamily="2" charset="0"/>
-              </a:rPr>
-              <a:t>Ethics Number: 2023-27613-44212-3</a:t>
-            </a:r>
-          </a:p>
-        </p:txBody>
-      </p:sp>
+      <p:pic>
+        <p:nvPicPr>
+          <p:cNvPr id="10" name="Picture 9">
+            <a:extLst>
+              <a:ext uri="{FF2B5EF4-FFF2-40B4-BE49-F238E27FC236}">
+                <a16:creationId xmlns:a16="http://schemas.microsoft.com/office/drawing/2014/main" id="{39D35821-B5ED-DA41-80E2-29ADCFF36E73}"/>
+              </a:ext>
+            </a:extLst>
+          </p:cNvPr>
+          <p:cNvPicPr>
+            <a:picLocks noChangeAspect="1"/>
+          </p:cNvPicPr>
+          <p:nvPr/>
+        </p:nvPicPr>
+        <p:blipFill>
+          <a:blip r:embed="rId6"/>
+          <a:stretch>
+            <a:fillRect/>
+          </a:stretch>
+        </p:blipFill>
+        <p:spPr>
+          <a:xfrm>
+            <a:off x="7546582" y="3420943"/>
+            <a:ext cx="2901164" cy="2617592"/>
+          </a:xfrm>
+          <a:prstGeom prst="rect">
+            <a:avLst/>
+          </a:prstGeom>
+        </p:spPr>
+      </p:pic>
     </p:spTree>
     <p:extLst>
       <p:ext uri="{BB962C8B-B14F-4D97-AF65-F5344CB8AC3E}">
@@ -15101,7 +15561,7 @@
         <p:spPr>
           <a:xfrm>
             <a:off x="283026" y="1520244"/>
-            <a:ext cx="11632488" cy="1323439"/>
+            <a:ext cx="11632488" cy="1015663"/>
           </a:xfrm>
           <a:prstGeom prst="rect">
             <a:avLst/>
@@ -15134,7 +15594,7 @@
                 <a:latin typeface="Bangla MN" pitchFamily="2" charset="0"/>
                 <a:cs typeface="Bangla MN" pitchFamily="2" charset="0"/>
               </a:rPr>
-              <a:t>After this briefing, we will ask you to complete a few short questionnaires. Then, you will complete an MRI safety screening with the radiographer. </a:t>
+              <a:t>After this briefing, you will complete an MRI safety screening with the radiographer. </a:t>
             </a:r>
           </a:p>
         </p:txBody>
@@ -17193,6 +17653,26 @@
 </file>
 
 <file path=customXml/item1.xml><?xml version="1.0" encoding="utf-8"?>
+<p:properties xmlns:p="http://schemas.microsoft.com/office/2006/metadata/properties" xmlns:xsi="http://www.w3.org/2001/XMLSchema-instance" xmlns:pc="http://schemas.microsoft.com/office/infopath/2007/PartnerControls">
+  <documentManagement>
+    <lcf76f155ced4ddcb4097134ff3c332f xmlns="daf31937-5c4f-4e36-a8d9-626984e07ebd">
+      <Terms xmlns="http://schemas.microsoft.com/office/infopath/2007/PartnerControls"/>
+    </lcf76f155ced4ddcb4097134ff3c332f>
+    <TaxCatchAll xmlns="a8fd9021-eca3-4fd4-8026-6f227723cead" xsi:nil="true"/>
+  </documentManagement>
+</p:properties>
+</file>
+
+<file path=customXml/item2.xml><?xml version="1.0" encoding="utf-8"?>
+<?mso-contentType ?>
+<FormTemplates xmlns="http://schemas.microsoft.com/sharepoint/v3/contenttype/forms">
+  <Display>DocumentLibraryForm</Display>
+  <Edit>DocumentLibraryForm</Edit>
+  <New>DocumentLibraryForm</New>
+</FormTemplates>
+</file>
+
+<file path=customXml/item3.xml><?xml version="1.0" encoding="utf-8"?>
 <ct:contentTypeSchema xmlns:ct="http://schemas.microsoft.com/office/2006/metadata/contentType" xmlns:ma="http://schemas.microsoft.com/office/2006/metadata/properties/metaAttributes" ct:_="" ma:_="" ma:contentTypeName="Document" ma:contentTypeID="0x010100B279BEA181066048B3FF76D28915822B" ma:contentTypeVersion="15" ma:contentTypeDescription="Create a new document." ma:contentTypeScope="" ma:versionID="f285cf715a0cf87a35bb60aebdc8b6c9">
   <xsd:schema xmlns:xsd="http://www.w3.org/2001/XMLSchema" xmlns:xs="http://www.w3.org/2001/XMLSchema" xmlns:p="http://schemas.microsoft.com/office/2006/metadata/properties" xmlns:ns2="daf31937-5c4f-4e36-a8d9-626984e07ebd" xmlns:ns3="a8fd9021-eca3-4fd4-8026-6f227723cead" targetNamespace="http://schemas.microsoft.com/office/2006/metadata/properties" ma:root="true" ma:fieldsID="744df078a4d9e9d5ba233b6f0f7abc7b" ns2:_="" ns3:_="">
     <xsd:import namespace="daf31937-5c4f-4e36-a8d9-626984e07ebd"/>
@@ -17429,27 +17909,28 @@
 </ct:contentTypeSchema>
 </file>
 
-<file path=customXml/item2.xml><?xml version="1.0" encoding="utf-8"?>
-<?mso-contentType ?>
-<FormTemplates xmlns="http://schemas.microsoft.com/sharepoint/v3/contenttype/forms">
-  <Display>DocumentLibraryForm</Display>
-  <Edit>DocumentLibraryForm</Edit>
-  <New>DocumentLibraryForm</New>
-</FormTemplates>
+<file path=customXml/itemProps1.xml><?xml version="1.0" encoding="utf-8"?>
+<ds:datastoreItem xmlns:ds="http://schemas.openxmlformats.org/officeDocument/2006/customXml" ds:itemID="{132C877D-D064-4C92-9FDE-72E2677A4405}">
+  <ds:schemaRefs>
+    <ds:schemaRef ds:uri="a8fd9021-eca3-4fd4-8026-6f227723cead"/>
+    <ds:schemaRef ds:uri="daf31937-5c4f-4e36-a8d9-626984e07ebd"/>
+    <ds:schemaRef ds:uri="http://schemas.microsoft.com/office/2006/metadata/properties"/>
+    <ds:schemaRef ds:uri="http://schemas.microsoft.com/office/infopath/2007/PartnerControls"/>
+    <ds:schemaRef ds:uri="http://www.w3.org/2000/xmlns/"/>
+    <ds:schemaRef ds:uri="http://www.w3.org/2001/XMLSchema-instance"/>
+  </ds:schemaRefs>
+</ds:datastoreItem>
 </file>
 
-<file path=customXml/item3.xml><?xml version="1.0" encoding="utf-8"?>
-<p:properties xmlns:p="http://schemas.microsoft.com/office/2006/metadata/properties" xmlns:xsi="http://www.w3.org/2001/XMLSchema-instance" xmlns:pc="http://schemas.microsoft.com/office/infopath/2007/PartnerControls">
-  <documentManagement>
-    <lcf76f155ced4ddcb4097134ff3c332f xmlns="daf31937-5c4f-4e36-a8d9-626984e07ebd">
-      <Terms xmlns="http://schemas.microsoft.com/office/infopath/2007/PartnerControls"/>
-    </lcf76f155ced4ddcb4097134ff3c332f>
-    <TaxCatchAll xmlns="a8fd9021-eca3-4fd4-8026-6f227723cead" xsi:nil="true"/>
-  </documentManagement>
-</p:properties>
+<file path=customXml/itemProps2.xml><?xml version="1.0" encoding="utf-8"?>
+<ds:datastoreItem xmlns:ds="http://schemas.openxmlformats.org/officeDocument/2006/customXml" ds:itemID="{51F62D99-D697-46FC-8163-15A227B0F065}">
+  <ds:schemaRefs>
+    <ds:schemaRef ds:uri="http://schemas.microsoft.com/sharepoint/v3/contenttype/forms"/>
+  </ds:schemaRefs>
+</ds:datastoreItem>
 </file>
 
-<file path=customXml/itemProps1.xml><?xml version="1.0" encoding="utf-8"?>
+<file path=customXml/itemProps3.xml><?xml version="1.0" encoding="utf-8"?>
 <ds:datastoreItem xmlns:ds="http://schemas.openxmlformats.org/officeDocument/2006/customXml" ds:itemID="{420A8D93-CDBB-4E16-A506-3D5059F87A4E}">
   <ds:schemaRefs>
     <ds:schemaRef ds:uri="http://schemas.microsoft.com/office/2006/metadata/contentType"/>
@@ -17466,25 +17947,4 @@
     <ds:schemaRef ds:uri="http://schemas.microsoft.com/internal/obd"/>
   </ds:schemaRefs>
 </ds:datastoreItem>
-</file>
-
-<file path=customXml/itemProps2.xml><?xml version="1.0" encoding="utf-8"?>
-<ds:datastoreItem xmlns:ds="http://schemas.openxmlformats.org/officeDocument/2006/customXml" ds:itemID="{51F62D99-D697-46FC-8163-15A227B0F065}">
-  <ds:schemaRefs>
-    <ds:schemaRef ds:uri="http://schemas.microsoft.com/sharepoint/v3/contenttype/forms"/>
-  </ds:schemaRefs>
-</ds:datastoreItem>
-</file>
-
-<file path=customXml/itemProps3.xml><?xml version="1.0" encoding="utf-8"?>
-<ds:datastoreItem xmlns:ds="http://schemas.openxmlformats.org/officeDocument/2006/customXml" ds:itemID="{132C877D-D064-4C92-9FDE-72E2677A4405}">
-  <ds:schemaRefs>
-    <ds:schemaRef ds:uri="a8fd9021-eca3-4fd4-8026-6f227723cead"/>
-    <ds:schemaRef ds:uri="daf31937-5c4f-4e36-a8d9-626984e07ebd"/>
-    <ds:schemaRef ds:uri="http://schemas.microsoft.com/office/2006/metadata/properties"/>
-    <ds:schemaRef ds:uri="http://schemas.microsoft.com/office/infopath/2007/PartnerControls"/>
-    <ds:schemaRef ds:uri="http://www.w3.org/2000/xmlns/"/>
-    <ds:schemaRef ds:uri="http://www.w3.org/2001/XMLSchema-instance"/>
-  </ds:schemaRefs>
-</ds:datastoreItem>
 </file>
--- a/NewTasks/Before Scan 1. Briefing.pptx
+++ b/NewTasks/Before Scan 1. Briefing.pptx
@@ -239,7 +239,7 @@
           <a:p>
             <a:fld id="{980E24A7-9954-5B4D-976B-6D28026BE577}" type="datetimeFigureOut">
               <a:rPr lang="en-US" smtClean="0"/>
-              <a:t>12/12/23</a:t>
+              <a:t>12/13/23</a:t>
             </a:fld>
             <a:endParaRPr lang="en-US"/>
           </a:p>
@@ -2528,7 +2528,7 @@
           <a:p>
             <a:fld id="{9D47736A-4A47-5E49-B435-20FECFFD9B20}" type="datetimeFigureOut">
               <a:rPr lang="en-US" smtClean="0"/>
-              <a:t>12/12/23</a:t>
+              <a:t>12/13/23</a:t>
             </a:fld>
             <a:endParaRPr lang="en-US"/>
           </a:p>
@@ -2728,7 +2728,7 @@
           <a:p>
             <a:fld id="{9D47736A-4A47-5E49-B435-20FECFFD9B20}" type="datetimeFigureOut">
               <a:rPr lang="en-US" smtClean="0"/>
-              <a:t>12/12/23</a:t>
+              <a:t>12/13/23</a:t>
             </a:fld>
             <a:endParaRPr lang="en-US"/>
           </a:p>
@@ -2938,7 +2938,7 @@
           <a:p>
             <a:fld id="{9D47736A-4A47-5E49-B435-20FECFFD9B20}" type="datetimeFigureOut">
               <a:rPr lang="en-US" smtClean="0"/>
-              <a:t>12/12/23</a:t>
+              <a:t>12/13/23</a:t>
             </a:fld>
             <a:endParaRPr lang="en-US"/>
           </a:p>
@@ -3138,7 +3138,7 @@
           <a:p>
             <a:fld id="{9D47736A-4A47-5E49-B435-20FECFFD9B20}" type="datetimeFigureOut">
               <a:rPr lang="en-US" smtClean="0"/>
-              <a:t>12/12/23</a:t>
+              <a:t>12/13/23</a:t>
             </a:fld>
             <a:endParaRPr lang="en-US"/>
           </a:p>
@@ -3414,7 +3414,7 @@
           <a:p>
             <a:fld id="{9D47736A-4A47-5E49-B435-20FECFFD9B20}" type="datetimeFigureOut">
               <a:rPr lang="en-US" smtClean="0"/>
-              <a:t>12/12/23</a:t>
+              <a:t>12/13/23</a:t>
             </a:fld>
             <a:endParaRPr lang="en-US"/>
           </a:p>
@@ -3682,7 +3682,7 @@
           <a:p>
             <a:fld id="{9D47736A-4A47-5E49-B435-20FECFFD9B20}" type="datetimeFigureOut">
               <a:rPr lang="en-US" smtClean="0"/>
-              <a:t>12/12/23</a:t>
+              <a:t>12/13/23</a:t>
             </a:fld>
             <a:endParaRPr lang="en-US"/>
           </a:p>
@@ -4097,7 +4097,7 @@
           <a:p>
             <a:fld id="{9D47736A-4A47-5E49-B435-20FECFFD9B20}" type="datetimeFigureOut">
               <a:rPr lang="en-US" smtClean="0"/>
-              <a:t>12/12/23</a:t>
+              <a:t>12/13/23</a:t>
             </a:fld>
             <a:endParaRPr lang="en-US"/>
           </a:p>
@@ -4239,7 +4239,7 @@
           <a:p>
             <a:fld id="{9D47736A-4A47-5E49-B435-20FECFFD9B20}" type="datetimeFigureOut">
               <a:rPr lang="en-US" smtClean="0"/>
-              <a:t>12/12/23</a:t>
+              <a:t>12/13/23</a:t>
             </a:fld>
             <a:endParaRPr lang="en-US"/>
           </a:p>
@@ -4352,7 +4352,7 @@
           <a:p>
             <a:fld id="{9D47736A-4A47-5E49-B435-20FECFFD9B20}" type="datetimeFigureOut">
               <a:rPr lang="en-US" smtClean="0"/>
-              <a:t>12/12/23</a:t>
+              <a:t>12/13/23</a:t>
             </a:fld>
             <a:endParaRPr lang="en-US"/>
           </a:p>
@@ -4665,7 +4665,7 @@
           <a:p>
             <a:fld id="{9D47736A-4A47-5E49-B435-20FECFFD9B20}" type="datetimeFigureOut">
               <a:rPr lang="en-US" smtClean="0"/>
-              <a:t>12/12/23</a:t>
+              <a:t>12/13/23</a:t>
             </a:fld>
             <a:endParaRPr lang="en-US"/>
           </a:p>
@@ -4954,7 +4954,7 @@
           <a:p>
             <a:fld id="{9D47736A-4A47-5E49-B435-20FECFFD9B20}" type="datetimeFigureOut">
               <a:rPr lang="en-US" smtClean="0"/>
-              <a:t>12/12/23</a:t>
+              <a:t>12/13/23</a:t>
             </a:fld>
             <a:endParaRPr lang="en-US"/>
           </a:p>
@@ -5197,7 +5197,7 @@
           <a:p>
             <a:fld id="{9D47736A-4A47-5E49-B435-20FECFFD9B20}" type="datetimeFigureOut">
               <a:rPr lang="en-US" smtClean="0"/>
-              <a:t>12/12/23</a:t>
+              <a:t>12/13/23</a:t>
             </a:fld>
             <a:endParaRPr lang="en-US"/>
           </a:p>
@@ -13227,7 +13227,7 @@
         </p:blipFill>
         <p:spPr>
           <a:xfrm>
-            <a:off x="4778841" y="3991576"/>
+            <a:off x="4778841" y="3894591"/>
             <a:ext cx="2653223" cy="2623394"/>
           </a:xfrm>
           <a:prstGeom prst="rect">
@@ -15840,7 +15840,7 @@
           <p:nvPr/>
         </p:nvPicPr>
         <p:blipFill rotWithShape="1">
-          <a:blip r:embed="rId3"/>
+          <a:blip r:embed="rId5"/>
           <a:srcRect b="6186"/>
           <a:stretch/>
         </p:blipFill>
@@ -15890,6 +15890,200 @@
               </a:rPr>
               <a:t>Ethics Number: 2023-27613-44212-3</a:t>
             </a:r>
+          </a:p>
+        </p:txBody>
+      </p:sp>
+      <p:pic>
+        <p:nvPicPr>
+          <p:cNvPr id="10" name="Scanner-Noise-Updated.mp3">
+            <a:hlinkClick r:id="" action="ppaction://media"/>
+            <a:extLst>
+              <a:ext uri="{FF2B5EF4-FFF2-40B4-BE49-F238E27FC236}">
+                <a16:creationId xmlns:a16="http://schemas.microsoft.com/office/drawing/2014/main" id="{8A29318B-0801-964D-A2BA-0C6B32B01735}"/>
+              </a:ext>
+            </a:extLst>
+          </p:cNvPr>
+          <p:cNvPicPr>
+            <a:picLocks noChangeAspect="1"/>
+          </p:cNvPicPr>
+          <p:nvPr>
+            <a:audioFile r:link="rId2"/>
+            <p:extLst>
+              <p:ext uri="{DAA4B4D4-6D71-4841-9C94-3DE7FCFB9230}">
+                <p14:media xmlns:p14="http://schemas.microsoft.com/office/powerpoint/2010/main" r:embed="rId1"/>
+              </p:ext>
+            </p:extLst>
+          </p:nvPr>
+        </p:nvPicPr>
+        <p:blipFill>
+          <a:blip r:embed="rId6"/>
+          <a:srcRect/>
+          <a:stretch/>
+        </p:blipFill>
+        <p:spPr>
+          <a:xfrm>
+            <a:off x="4769389" y="3699907"/>
+            <a:ext cx="2653222" cy="2653222"/>
+          </a:xfrm>
+          <a:prstGeom prst="rect">
+            <a:avLst/>
+          </a:prstGeom>
+        </p:spPr>
+      </p:pic>
+      <p:sp>
+        <p:nvSpPr>
+          <p:cNvPr id="12" name="TextBox 11">
+            <a:extLst>
+              <a:ext uri="{FF2B5EF4-FFF2-40B4-BE49-F238E27FC236}">
+                <a16:creationId xmlns:a16="http://schemas.microsoft.com/office/drawing/2014/main" id="{54BC5AA6-9B82-4448-8F47-07B1EA9DBBDD}"/>
+              </a:ext>
+            </a:extLst>
+          </p:cNvPr>
+          <p:cNvSpPr txBox="1"/>
+          <p:nvPr/>
+        </p:nvSpPr>
+        <p:spPr>
+          <a:xfrm>
+            <a:off x="387926" y="5563101"/>
+            <a:ext cx="4484699" cy="646331"/>
+          </a:xfrm>
+          <a:prstGeom prst="rect">
+            <a:avLst/>
+          </a:prstGeom>
+          <a:noFill/>
+        </p:spPr>
+        <p:txBody>
+          <a:bodyPr wrap="square">
+            <a:spAutoFit/>
+          </a:bodyPr>
+          <a:lstStyle/>
+          <a:p>
+            <a:r>
+              <a:rPr lang="en-US" sz="1800" dirty="0">
+                <a:latin typeface="Bangla MN" pitchFamily="2" charset="0"/>
+                <a:cs typeface="Bangla MN" pitchFamily="2" charset="0"/>
+              </a:rPr>
+              <a:t>Click here for the scanner</a:t>
+            </a:r>
+            <a:r>
+              <a:rPr lang="zh-CN" altLang="en-US" sz="1800" dirty="0">
+                <a:latin typeface="Bangla MN" pitchFamily="2" charset="0"/>
+                <a:cs typeface="Bangla MN" pitchFamily="2" charset="0"/>
+              </a:rPr>
+              <a:t> </a:t>
+            </a:r>
+            <a:r>
+              <a:rPr lang="en-US" altLang="zh-CN" sz="1800" dirty="0">
+                <a:latin typeface="Bangla MN" pitchFamily="2" charset="0"/>
+                <a:cs typeface="Bangla MN" pitchFamily="2" charset="0"/>
+              </a:rPr>
+              <a:t>noise</a:t>
+            </a:r>
+            <a:r>
+              <a:rPr lang="zh-CN" altLang="en-US" sz="1800" dirty="0">
+                <a:latin typeface="Bangla MN" pitchFamily="2" charset="0"/>
+                <a:cs typeface="Bangla MN" pitchFamily="2" charset="0"/>
+              </a:rPr>
+              <a:t> </a:t>
+            </a:r>
+            <a:r>
+              <a:rPr lang="en-US" sz="1800" dirty="0">
+                <a:latin typeface="Bangla MN" pitchFamily="2" charset="0"/>
+                <a:cs typeface="Bangla MN" pitchFamily="2" charset="0"/>
+                <a:sym typeface="Wingdings" pitchFamily="2" charset="2"/>
+              </a:rPr>
+              <a:t></a:t>
+            </a:r>
+            <a:endParaRPr lang="en-US" sz="1800" dirty="0">
+              <a:latin typeface="Bangla MN" pitchFamily="2" charset="0"/>
+              <a:cs typeface="Bangla MN" pitchFamily="2" charset="0"/>
+            </a:endParaRPr>
+          </a:p>
+          <a:p>
+            <a:endParaRPr lang="en-CN" dirty="0"/>
+          </a:p>
+        </p:txBody>
+      </p:sp>
+      <p:sp>
+        <p:nvSpPr>
+          <p:cNvPr id="15" name="Rounded Rectangle 14">
+            <a:extLst>
+              <a:ext uri="{FF2B5EF4-FFF2-40B4-BE49-F238E27FC236}">
+                <a16:creationId xmlns:a16="http://schemas.microsoft.com/office/drawing/2014/main" id="{58A027CA-6C33-B64D-96DF-D0B9995C698D}"/>
+              </a:ext>
+            </a:extLst>
+          </p:cNvPr>
+          <p:cNvSpPr/>
+          <p:nvPr/>
+        </p:nvSpPr>
+        <p:spPr>
+          <a:xfrm>
+            <a:off x="4780915" y="3723549"/>
+            <a:ext cx="2630170" cy="2599296"/>
+          </a:xfrm>
+          <a:prstGeom prst="roundRect">
+            <a:avLst>
+              <a:gd name="adj" fmla="val 11775"/>
+            </a:avLst>
+          </a:prstGeom>
+          <a:noFill/>
+          <a:ln w="19050">
+            <a:solidFill>
+              <a:schemeClr val="tx1"/>
+            </a:solidFill>
+          </a:ln>
+        </p:spPr>
+        <p:style>
+          <a:lnRef idx="2">
+            <a:schemeClr val="accent1">
+              <a:shade val="50000"/>
+            </a:schemeClr>
+          </a:lnRef>
+          <a:fillRef idx="1">
+            <a:schemeClr val="accent1"/>
+          </a:fillRef>
+          <a:effectRef idx="0">
+            <a:schemeClr val="accent1"/>
+          </a:effectRef>
+          <a:fontRef idx="minor">
+            <a:schemeClr val="lt1"/>
+          </a:fontRef>
+        </p:style>
+        <p:txBody>
+          <a:bodyPr rtlCol="0" anchor="ctr"/>
+          <a:lstStyle/>
+          <a:p>
+            <a:pPr marL="0" marR="0" lvl="0" indent="0" algn="ctr" defTabSz="914400" rtl="0" eaLnBrk="1" fontAlgn="auto" latinLnBrk="0" hangingPunct="1">
+              <a:lnSpc>
+                <a:spcPct val="100000"/>
+              </a:lnSpc>
+              <a:spcBef>
+                <a:spcPts val="0"/>
+              </a:spcBef>
+              <a:spcAft>
+                <a:spcPts val="0"/>
+              </a:spcAft>
+              <a:buClrTx/>
+              <a:buSzTx/>
+              <a:buFontTx/>
+              <a:buNone/>
+              <a:tabLst/>
+              <a:defRPr/>
+            </a:pPr>
+            <a:endParaRPr kumimoji="0" lang="en-US" sz="1800" b="0" i="0" u="none" strike="noStrike" kern="1200" cap="none" spc="0" normalizeH="0" baseline="0" noProof="0">
+              <a:ln>
+                <a:noFill/>
+              </a:ln>
+              <a:solidFill>
+                <a:prstClr val="white"/>
+              </a:solidFill>
+              <a:effectLst/>
+              <a:uLnTx/>
+              <a:uFillTx/>
+              <a:latin typeface="Calibri" panose="020F0502020204030204"/>
+              <a:ea typeface="+mn-ea"/>
+              <a:cs typeface="+mn-cs"/>
+            </a:endParaRPr>
           </a:p>
         </p:txBody>
       </p:sp>
@@ -15903,6 +16097,90 @@
   <p:clrMapOvr>
     <a:masterClrMapping/>
   </p:clrMapOvr>
+  <p:timing>
+    <p:tnLst>
+      <p:par>
+        <p:cTn id="1" dur="indefinite" restart="never" nodeType="tmRoot">
+          <p:childTnLst>
+            <p:seq concurrent="1" nextAc="seek">
+              <p:cTn id="2" dur="indefinite" nodeType="mainSeq">
+                <p:childTnLst>
+                  <p:par>
+                    <p:cTn id="3" fill="hold">
+                      <p:stCondLst>
+                        <p:cond delay="indefinite"/>
+                      </p:stCondLst>
+                      <p:childTnLst>
+                        <p:par>
+                          <p:cTn id="4" fill="hold">
+                            <p:stCondLst>
+                              <p:cond delay="0"/>
+                            </p:stCondLst>
+                            <p:childTnLst>
+                              <p:par>
+                                <p:cTn id="5" presetID="1" presetClass="mediacall" presetSubtype="0" fill="hold" nodeType="clickEffect">
+                                  <p:stCondLst>
+                                    <p:cond delay="0"/>
+                                  </p:stCondLst>
+                                  <p:childTnLst>
+                                    <p:cmd type="call" cmd="playFrom(0.0)">
+                                      <p:cBhvr>
+                                        <p:cTn id="6" dur="35944" fill="hold"/>
+                                        <p:tgtEl>
+                                          <p:spTgt spid="10"/>
+                                        </p:tgtEl>
+                                      </p:cBhvr>
+                                    </p:cmd>
+                                  </p:childTnLst>
+                                </p:cTn>
+                              </p:par>
+                            </p:childTnLst>
+                          </p:cTn>
+                        </p:par>
+                      </p:childTnLst>
+                    </p:cTn>
+                  </p:par>
+                </p:childTnLst>
+              </p:cTn>
+              <p:prevCondLst>
+                <p:cond evt="onPrev" delay="0">
+                  <p:tgtEl>
+                    <p:sldTgt/>
+                  </p:tgtEl>
+                </p:cond>
+              </p:prevCondLst>
+              <p:nextCondLst>
+                <p:cond evt="onNext" delay="0">
+                  <p:tgtEl>
+                    <p:sldTgt/>
+                  </p:tgtEl>
+                </p:cond>
+              </p:nextCondLst>
+            </p:seq>
+            <p:audio>
+              <p:cMediaNode vol="80000">
+                <p:cTn id="7" fill="hold" display="0">
+                  <p:stCondLst>
+                    <p:cond delay="indefinite"/>
+                  </p:stCondLst>
+                  <p:endCondLst>
+                    <p:cond evt="onStopAudio" delay="0">
+                      <p:tgtEl>
+                        <p:sldTgt/>
+                      </p:tgtEl>
+                    </p:cond>
+                  </p:endCondLst>
+                </p:cTn>
+                <p:tgtEl>
+                  <p:spTgt spid="10"/>
+                </p:tgtEl>
+              </p:cMediaNode>
+            </p:audio>
+          </p:childTnLst>
+        </p:cTn>
+      </p:par>
+    </p:tnLst>
+  </p:timing>
 </p:sld>
 </file>
 
@@ -17653,26 +17931,6 @@
 </file>
 
 <file path=customXml/item1.xml><?xml version="1.0" encoding="utf-8"?>
-<p:properties xmlns:p="http://schemas.microsoft.com/office/2006/metadata/properties" xmlns:xsi="http://www.w3.org/2001/XMLSchema-instance" xmlns:pc="http://schemas.microsoft.com/office/infopath/2007/PartnerControls">
-  <documentManagement>
-    <lcf76f155ced4ddcb4097134ff3c332f xmlns="daf31937-5c4f-4e36-a8d9-626984e07ebd">
-      <Terms xmlns="http://schemas.microsoft.com/office/infopath/2007/PartnerControls"/>
-    </lcf76f155ced4ddcb4097134ff3c332f>
-    <TaxCatchAll xmlns="a8fd9021-eca3-4fd4-8026-6f227723cead" xsi:nil="true"/>
-  </documentManagement>
-</p:properties>
-</file>
-
-<file path=customXml/item2.xml><?xml version="1.0" encoding="utf-8"?>
-<?mso-contentType ?>
-<FormTemplates xmlns="http://schemas.microsoft.com/sharepoint/v3/contenttype/forms">
-  <Display>DocumentLibraryForm</Display>
-  <Edit>DocumentLibraryForm</Edit>
-  <New>DocumentLibraryForm</New>
-</FormTemplates>
-</file>
-
-<file path=customXml/item3.xml><?xml version="1.0" encoding="utf-8"?>
 <ct:contentTypeSchema xmlns:ct="http://schemas.microsoft.com/office/2006/metadata/contentType" xmlns:ma="http://schemas.microsoft.com/office/2006/metadata/properties/metaAttributes" ct:_="" ma:_="" ma:contentTypeName="Document" ma:contentTypeID="0x010100B279BEA181066048B3FF76D28915822B" ma:contentTypeVersion="15" ma:contentTypeDescription="Create a new document." ma:contentTypeScope="" ma:versionID="f285cf715a0cf87a35bb60aebdc8b6c9">
   <xsd:schema xmlns:xsd="http://www.w3.org/2001/XMLSchema" xmlns:xs="http://www.w3.org/2001/XMLSchema" xmlns:p="http://schemas.microsoft.com/office/2006/metadata/properties" xmlns:ns2="daf31937-5c4f-4e36-a8d9-626984e07ebd" xmlns:ns3="a8fd9021-eca3-4fd4-8026-6f227723cead" targetNamespace="http://schemas.microsoft.com/office/2006/metadata/properties" ma:root="true" ma:fieldsID="744df078a4d9e9d5ba233b6f0f7abc7b" ns2:_="" ns3:_="">
     <xsd:import namespace="daf31937-5c4f-4e36-a8d9-626984e07ebd"/>
@@ -17909,28 +18167,27 @@
 </ct:contentTypeSchema>
 </file>
 
-<file path=customXml/itemProps1.xml><?xml version="1.0" encoding="utf-8"?>
-<ds:datastoreItem xmlns:ds="http://schemas.openxmlformats.org/officeDocument/2006/customXml" ds:itemID="{132C877D-D064-4C92-9FDE-72E2677A4405}">
-  <ds:schemaRefs>
-    <ds:schemaRef ds:uri="a8fd9021-eca3-4fd4-8026-6f227723cead"/>
-    <ds:schemaRef ds:uri="daf31937-5c4f-4e36-a8d9-626984e07ebd"/>
-    <ds:schemaRef ds:uri="http://schemas.microsoft.com/office/2006/metadata/properties"/>
-    <ds:schemaRef ds:uri="http://schemas.microsoft.com/office/infopath/2007/PartnerControls"/>
-    <ds:schemaRef ds:uri="http://www.w3.org/2000/xmlns/"/>
-    <ds:schemaRef ds:uri="http://www.w3.org/2001/XMLSchema-instance"/>
-  </ds:schemaRefs>
-</ds:datastoreItem>
+<file path=customXml/item2.xml><?xml version="1.0" encoding="utf-8"?>
+<?mso-contentType ?>
+<FormTemplates xmlns="http://schemas.microsoft.com/sharepoint/v3/contenttype/forms">
+  <Display>DocumentLibraryForm</Display>
+  <Edit>DocumentLibraryForm</Edit>
+  <New>DocumentLibraryForm</New>
+</FormTemplates>
 </file>
 
-<file path=customXml/itemProps2.xml><?xml version="1.0" encoding="utf-8"?>
-<ds:datastoreItem xmlns:ds="http://schemas.openxmlformats.org/officeDocument/2006/customXml" ds:itemID="{51F62D99-D697-46FC-8163-15A227B0F065}">
-  <ds:schemaRefs>
-    <ds:schemaRef ds:uri="http://schemas.microsoft.com/sharepoint/v3/contenttype/forms"/>
-  </ds:schemaRefs>
-</ds:datastoreItem>
+<file path=customXml/item3.xml><?xml version="1.0" encoding="utf-8"?>
+<p:properties xmlns:p="http://schemas.microsoft.com/office/2006/metadata/properties" xmlns:xsi="http://www.w3.org/2001/XMLSchema-instance" xmlns:pc="http://schemas.microsoft.com/office/infopath/2007/PartnerControls">
+  <documentManagement>
+    <lcf76f155ced4ddcb4097134ff3c332f xmlns="daf31937-5c4f-4e36-a8d9-626984e07ebd">
+      <Terms xmlns="http://schemas.microsoft.com/office/infopath/2007/PartnerControls"/>
+    </lcf76f155ced4ddcb4097134ff3c332f>
+    <TaxCatchAll xmlns="a8fd9021-eca3-4fd4-8026-6f227723cead" xsi:nil="true"/>
+  </documentManagement>
+</p:properties>
 </file>
 
-<file path=customXml/itemProps3.xml><?xml version="1.0" encoding="utf-8"?>
+<file path=customXml/itemProps1.xml><?xml version="1.0" encoding="utf-8"?>
 <ds:datastoreItem xmlns:ds="http://schemas.openxmlformats.org/officeDocument/2006/customXml" ds:itemID="{420A8D93-CDBB-4E16-A506-3D5059F87A4E}">
   <ds:schemaRefs>
     <ds:schemaRef ds:uri="http://schemas.microsoft.com/office/2006/metadata/contentType"/>
@@ -17947,4 +18204,25 @@
     <ds:schemaRef ds:uri="http://schemas.microsoft.com/internal/obd"/>
   </ds:schemaRefs>
 </ds:datastoreItem>
+</file>
+
+<file path=customXml/itemProps2.xml><?xml version="1.0" encoding="utf-8"?>
+<ds:datastoreItem xmlns:ds="http://schemas.openxmlformats.org/officeDocument/2006/customXml" ds:itemID="{51F62D99-D697-46FC-8163-15A227B0F065}">
+  <ds:schemaRefs>
+    <ds:schemaRef ds:uri="http://schemas.microsoft.com/sharepoint/v3/contenttype/forms"/>
+  </ds:schemaRefs>
+</ds:datastoreItem>
+</file>
+
+<file path=customXml/itemProps3.xml><?xml version="1.0" encoding="utf-8"?>
+<ds:datastoreItem xmlns:ds="http://schemas.openxmlformats.org/officeDocument/2006/customXml" ds:itemID="{132C877D-D064-4C92-9FDE-72E2677A4405}">
+  <ds:schemaRefs>
+    <ds:schemaRef ds:uri="a8fd9021-eca3-4fd4-8026-6f227723cead"/>
+    <ds:schemaRef ds:uri="daf31937-5c4f-4e36-a8d9-626984e07ebd"/>
+    <ds:schemaRef ds:uri="http://schemas.microsoft.com/office/2006/metadata/properties"/>
+    <ds:schemaRef ds:uri="http://schemas.microsoft.com/office/infopath/2007/PartnerControls"/>
+    <ds:schemaRef ds:uri="http://www.w3.org/2000/xmlns/"/>
+    <ds:schemaRef ds:uri="http://www.w3.org/2001/XMLSchema-instance"/>
+  </ds:schemaRefs>
+</ds:datastoreItem>
 </file>
--- a/NewTasks/Before Scan 1. Briefing.pptx
+++ b/NewTasks/Before Scan 1. Briefing.pptx
@@ -5,7 +5,7 @@
     <p:sldMasterId id="2147483648" r:id="rId4"/>
   </p:sldMasterIdLst>
   <p:notesMasterIdLst>
-    <p:notesMasterId r:id="rId40"/>
+    <p:notesMasterId r:id="rId41"/>
   </p:notesMasterIdLst>
   <p:sldIdLst>
     <p:sldId id="320" r:id="rId5"/>
@@ -41,8 +41,9 @@
     <p:sldId id="288" r:id="rId35"/>
     <p:sldId id="315" r:id="rId36"/>
     <p:sldId id="298" r:id="rId37"/>
-    <p:sldId id="318" r:id="rId38"/>
-    <p:sldId id="289" r:id="rId39"/>
+    <p:sldId id="332" r:id="rId38"/>
+    <p:sldId id="318" r:id="rId39"/>
+    <p:sldId id="289" r:id="rId40"/>
   </p:sldIdLst>
   <p:sldSz cx="12192000" cy="6858000"/>
   <p:notesSz cx="6858000" cy="9144000"/>
@@ -239,7 +240,7 @@
           <a:p>
             <a:fld id="{980E24A7-9954-5B4D-976B-6D28026BE577}" type="datetimeFigureOut">
               <a:rPr lang="en-US" smtClean="0"/>
-              <a:t>12/13/23</a:t>
+              <a:t>12/14/23</a:t>
             </a:fld>
             <a:endParaRPr lang="en-US"/>
           </a:p>
@@ -2528,7 +2529,7 @@
           <a:p>
             <a:fld id="{9D47736A-4A47-5E49-B435-20FECFFD9B20}" type="datetimeFigureOut">
               <a:rPr lang="en-US" smtClean="0"/>
-              <a:t>12/13/23</a:t>
+              <a:t>12/14/23</a:t>
             </a:fld>
             <a:endParaRPr lang="en-US"/>
           </a:p>
@@ -2728,7 +2729,7 @@
           <a:p>
             <a:fld id="{9D47736A-4A47-5E49-B435-20FECFFD9B20}" type="datetimeFigureOut">
               <a:rPr lang="en-US" smtClean="0"/>
-              <a:t>12/13/23</a:t>
+              <a:t>12/14/23</a:t>
             </a:fld>
             <a:endParaRPr lang="en-US"/>
           </a:p>
@@ -2938,7 +2939,7 @@
           <a:p>
             <a:fld id="{9D47736A-4A47-5E49-B435-20FECFFD9B20}" type="datetimeFigureOut">
               <a:rPr lang="en-US" smtClean="0"/>
-              <a:t>12/13/23</a:t>
+              <a:t>12/14/23</a:t>
             </a:fld>
             <a:endParaRPr lang="en-US"/>
           </a:p>
@@ -3138,7 +3139,7 @@
           <a:p>
             <a:fld id="{9D47736A-4A47-5E49-B435-20FECFFD9B20}" type="datetimeFigureOut">
               <a:rPr lang="en-US" smtClean="0"/>
-              <a:t>12/13/23</a:t>
+              <a:t>12/14/23</a:t>
             </a:fld>
             <a:endParaRPr lang="en-US"/>
           </a:p>
@@ -3414,7 +3415,7 @@
           <a:p>
             <a:fld id="{9D47736A-4A47-5E49-B435-20FECFFD9B20}" type="datetimeFigureOut">
               <a:rPr lang="en-US" smtClean="0"/>
-              <a:t>12/13/23</a:t>
+              <a:t>12/14/23</a:t>
             </a:fld>
             <a:endParaRPr lang="en-US"/>
           </a:p>
@@ -3682,7 +3683,7 @@
           <a:p>
             <a:fld id="{9D47736A-4A47-5E49-B435-20FECFFD9B20}" type="datetimeFigureOut">
               <a:rPr lang="en-US" smtClean="0"/>
-              <a:t>12/13/23</a:t>
+              <a:t>12/14/23</a:t>
             </a:fld>
             <a:endParaRPr lang="en-US"/>
           </a:p>
@@ -4097,7 +4098,7 @@
           <a:p>
             <a:fld id="{9D47736A-4A47-5E49-B435-20FECFFD9B20}" type="datetimeFigureOut">
               <a:rPr lang="en-US" smtClean="0"/>
-              <a:t>12/13/23</a:t>
+              <a:t>12/14/23</a:t>
             </a:fld>
             <a:endParaRPr lang="en-US"/>
           </a:p>
@@ -4239,7 +4240,7 @@
           <a:p>
             <a:fld id="{9D47736A-4A47-5E49-B435-20FECFFD9B20}" type="datetimeFigureOut">
               <a:rPr lang="en-US" smtClean="0"/>
-              <a:t>12/13/23</a:t>
+              <a:t>12/14/23</a:t>
             </a:fld>
             <a:endParaRPr lang="en-US"/>
           </a:p>
@@ -4352,7 +4353,7 @@
           <a:p>
             <a:fld id="{9D47736A-4A47-5E49-B435-20FECFFD9B20}" type="datetimeFigureOut">
               <a:rPr lang="en-US" smtClean="0"/>
-              <a:t>12/13/23</a:t>
+              <a:t>12/14/23</a:t>
             </a:fld>
             <a:endParaRPr lang="en-US"/>
           </a:p>
@@ -4665,7 +4666,7 @@
           <a:p>
             <a:fld id="{9D47736A-4A47-5E49-B435-20FECFFD9B20}" type="datetimeFigureOut">
               <a:rPr lang="en-US" smtClean="0"/>
-              <a:t>12/13/23</a:t>
+              <a:t>12/14/23</a:t>
             </a:fld>
             <a:endParaRPr lang="en-US"/>
           </a:p>
@@ -4954,7 +4955,7 @@
           <a:p>
             <a:fld id="{9D47736A-4A47-5E49-B435-20FECFFD9B20}" type="datetimeFigureOut">
               <a:rPr lang="en-US" smtClean="0"/>
-              <a:t>12/13/23</a:t>
+              <a:t>12/14/23</a:t>
             </a:fld>
             <a:endParaRPr lang="en-US"/>
           </a:p>
@@ -5197,7 +5198,7 @@
           <a:p>
             <a:fld id="{9D47736A-4A47-5E49-B435-20FECFFD9B20}" type="datetimeFigureOut">
               <a:rPr lang="en-US" smtClean="0"/>
-              <a:t>12/13/23</a:t>
+              <a:t>12/14/23</a:t>
             </a:fld>
             <a:endParaRPr lang="en-US"/>
           </a:p>
@@ -14502,7 +14503,7 @@
         <p:spPr>
           <a:xfrm>
             <a:off x="283026" y="1520244"/>
-            <a:ext cx="11632488" cy="3785652"/>
+            <a:ext cx="11527974" cy="4708981"/>
           </a:xfrm>
           <a:prstGeom prst="rect">
             <a:avLst/>
@@ -14520,7 +14521,7 @@
                 <a:latin typeface="Bangla MN" pitchFamily="2" charset="0"/>
                 <a:cs typeface="Bangla MN" pitchFamily="2" charset="0"/>
               </a:rPr>
-              <a:t>You will play 3 rounds total of this game. Each round takes about 10 minutes.</a:t>
+              <a:t>You will start the session with a 2-minute picture game, where all you need to do is stay still in the scanner.</a:t>
             </a:r>
           </a:p>
           <a:p>
@@ -14535,7 +14536,7 @@
                 <a:latin typeface="Bangla MN" pitchFamily="2" charset="0"/>
                 <a:cs typeface="Bangla MN" pitchFamily="2" charset="0"/>
               </a:rPr>
-              <a:t>We will check in with you after each round to see how you’re doing.</a:t>
+              <a:t>You will then undergo a 7-minute scan. Meanwhile, you will go through the instructions about another game that you will play while in the scanner.</a:t>
             </a:r>
           </a:p>
           <a:p>
@@ -14550,7 +14551,7 @@
                 <a:latin typeface="Bangla MN" pitchFamily="2" charset="0"/>
                 <a:cs typeface="Bangla MN" pitchFamily="2" charset="0"/>
               </a:rPr>
-              <a:t>You will start the session with a 7-minute scan where we take a picture of your brain. Meanwhile, you will go through the instructions about another game that you will be playing in the scanner. </a:t>
+              <a:t>The instructions might finish earlier than the scanning process, please wait until we speak to you.</a:t>
             </a:r>
           </a:p>
           <a:p>
@@ -14580,21 +14581,22 @@
                 <a:latin typeface="Bangla MN" pitchFamily="2" charset="0"/>
                 <a:cs typeface="Bangla MN" pitchFamily="2" charset="0"/>
               </a:rPr>
-              <a:t>It is very important that you </a:t>
-            </a:r>
-            <a:r>
-              <a:rPr lang="en-US" sz="2000" b="1" dirty="0">
-                <a:latin typeface="Bangla MN" pitchFamily="2" charset="0"/>
-                <a:cs typeface="Bangla MN" pitchFamily="2" charset="0"/>
-              </a:rPr>
-              <a:t>hold still in the scanner </a:t>
-            </a:r>
+              <a:t>After that, you will play another 2-minute picture game.</a:t>
+            </a:r>
+          </a:p>
+          <a:p>
+            <a:endParaRPr lang="en-US" sz="2000" dirty="0">
+              <a:latin typeface="Bangla MN" pitchFamily="2" charset="0"/>
+              <a:cs typeface="Bangla MN" pitchFamily="2" charset="0"/>
+            </a:endParaRPr>
+          </a:p>
+          <a:p>
             <a:r>
               <a:rPr lang="en-US" sz="2000" dirty="0">
                 <a:latin typeface="Bangla MN" pitchFamily="2" charset="0"/>
                 <a:cs typeface="Bangla MN" pitchFamily="2" charset="0"/>
               </a:rPr>
-              <a:t>because any small movements can blur the pictures.</a:t>
+              <a:t>You will then play 3 rounds of  the survival game introduced in this ppt.  Each round takes about 10 minutes.</a:t>
             </a:r>
           </a:p>
         </p:txBody>
@@ -14735,6 +14737,209 @@
           </a:p>
         </p:txBody>
       </p:sp>
+      <p:sp>
+        <p:nvSpPr>
+          <p:cNvPr id="8" name="TextBox 7">
+            <a:extLst>
+              <a:ext uri="{FF2B5EF4-FFF2-40B4-BE49-F238E27FC236}">
+                <a16:creationId xmlns:a16="http://schemas.microsoft.com/office/drawing/2014/main" id="{8C6C289F-44DC-B74A-5B96-78652F9DCA83}"/>
+              </a:ext>
+            </a:extLst>
+          </p:cNvPr>
+          <p:cNvSpPr txBox="1"/>
+          <p:nvPr/>
+        </p:nvSpPr>
+        <p:spPr>
+          <a:xfrm>
+            <a:off x="283026" y="1520244"/>
+            <a:ext cx="11426374" cy="1323439"/>
+          </a:xfrm>
+          <a:prstGeom prst="rect">
+            <a:avLst/>
+          </a:prstGeom>
+          <a:noFill/>
+        </p:spPr>
+        <p:txBody>
+          <a:bodyPr wrap="square" rtlCol="0">
+            <a:spAutoFit/>
+          </a:bodyPr>
+          <a:lstStyle/>
+          <a:p>
+            <a:r>
+              <a:rPr lang="en-US" sz="2000" dirty="0">
+                <a:latin typeface="Bangla MN" pitchFamily="2" charset="0"/>
+                <a:cs typeface="Bangla MN" pitchFamily="2" charset="0"/>
+              </a:rPr>
+              <a:t>We will check in with you after each round to see how you’re doing.</a:t>
+            </a:r>
+          </a:p>
+          <a:p>
+            <a:endParaRPr lang="en-US" sz="2000" dirty="0">
+              <a:latin typeface="Bangla MN" pitchFamily="2" charset="0"/>
+              <a:cs typeface="Bangla MN" pitchFamily="2" charset="0"/>
+            </a:endParaRPr>
+          </a:p>
+          <a:p>
+            <a:r>
+              <a:rPr lang="en-US" sz="2000" dirty="0">
+                <a:latin typeface="Bangla MN" pitchFamily="2" charset="0"/>
+                <a:cs typeface="Bangla MN" pitchFamily="2" charset="0"/>
+              </a:rPr>
+              <a:t>It is very important that you </a:t>
+            </a:r>
+            <a:r>
+              <a:rPr lang="en-US" sz="2000" b="1" dirty="0">
+                <a:latin typeface="Bangla MN" pitchFamily="2" charset="0"/>
+                <a:cs typeface="Bangla MN" pitchFamily="2" charset="0"/>
+              </a:rPr>
+              <a:t>hold still in the scanner </a:t>
+            </a:r>
+            <a:r>
+              <a:rPr lang="en-US" sz="2000" dirty="0">
+                <a:latin typeface="Bangla MN" pitchFamily="2" charset="0"/>
+                <a:cs typeface="Bangla MN" pitchFamily="2" charset="0"/>
+              </a:rPr>
+              <a:t>because any small movements can blur the pictures.</a:t>
+            </a:r>
+          </a:p>
+        </p:txBody>
+      </p:sp>
+      <p:pic>
+        <p:nvPicPr>
+          <p:cNvPr id="10" name="Picture 9">
+            <a:extLst>
+              <a:ext uri="{FF2B5EF4-FFF2-40B4-BE49-F238E27FC236}">
+                <a16:creationId xmlns:a16="http://schemas.microsoft.com/office/drawing/2014/main" id="{B943BA87-48F5-F745-BA42-1639AF586CBC}"/>
+              </a:ext>
+            </a:extLst>
+          </p:cNvPr>
+          <p:cNvPicPr>
+            <a:picLocks noChangeAspect="1"/>
+          </p:cNvPicPr>
+          <p:nvPr/>
+        </p:nvPicPr>
+        <p:blipFill rotWithShape="1">
+          <a:blip r:embed="rId2"/>
+          <a:srcRect b="6186"/>
+          <a:stretch/>
+        </p:blipFill>
+        <p:spPr>
+          <a:xfrm>
+            <a:off x="10626793" y="0"/>
+            <a:ext cx="1565207" cy="1468390"/>
+          </a:xfrm>
+          <a:prstGeom prst="rect">
+            <a:avLst/>
+          </a:prstGeom>
+        </p:spPr>
+      </p:pic>
+      <p:sp>
+        <p:nvSpPr>
+          <p:cNvPr id="13" name="TextBox 12">
+            <a:extLst>
+              <a:ext uri="{FF2B5EF4-FFF2-40B4-BE49-F238E27FC236}">
+                <a16:creationId xmlns:a16="http://schemas.microsoft.com/office/drawing/2014/main" id="{7285CC5B-1369-D54A-A93C-A7AD9ED0E1DD}"/>
+              </a:ext>
+            </a:extLst>
+          </p:cNvPr>
+          <p:cNvSpPr txBox="1"/>
+          <p:nvPr/>
+        </p:nvSpPr>
+        <p:spPr>
+          <a:xfrm>
+            <a:off x="9266732" y="6596767"/>
+            <a:ext cx="3132405" cy="261610"/>
+          </a:xfrm>
+          <a:prstGeom prst="rect">
+            <a:avLst/>
+          </a:prstGeom>
+          <a:noFill/>
+        </p:spPr>
+        <p:txBody>
+          <a:bodyPr wrap="square" rtlCol="0">
+            <a:spAutoFit/>
+          </a:bodyPr>
+          <a:lstStyle/>
+          <a:p>
+            <a:pPr algn="ctr"/>
+            <a:r>
+              <a:rPr lang="en-US" sz="1100" dirty="0">
+                <a:latin typeface="Bangla MN" pitchFamily="2" charset="0"/>
+                <a:cs typeface="Bangla MN" pitchFamily="2" charset="0"/>
+              </a:rPr>
+              <a:t>Ethics Number: 2023-27613-44212-3</a:t>
+            </a:r>
+          </a:p>
+        </p:txBody>
+      </p:sp>
+    </p:spTree>
+    <p:extLst>
+      <p:ext uri="{BB962C8B-B14F-4D97-AF65-F5344CB8AC3E}">
+        <p14:creationId xmlns:p14="http://schemas.microsoft.com/office/powerpoint/2010/main" val="3188327414"/>
+      </p:ext>
+    </p:extLst>
+  </p:cSld>
+  <p:clrMapOvr>
+    <a:masterClrMapping/>
+  </p:clrMapOvr>
+</p:sld>
+</file>
+
+<file path=ppt/slides/slide35.xml><?xml version="1.0" encoding="utf-8"?>
+<p:sld xmlns:a="http://schemas.openxmlformats.org/drawingml/2006/main" xmlns:r="http://schemas.openxmlformats.org/officeDocument/2006/relationships" xmlns:p="http://schemas.openxmlformats.org/presentationml/2006/main">
+  <p:cSld>
+    <p:spTree>
+      <p:nvGrpSpPr>
+        <p:cNvPr id="1" name=""/>
+        <p:cNvGrpSpPr/>
+        <p:nvPr/>
+      </p:nvGrpSpPr>
+      <p:grpSpPr>
+        <a:xfrm>
+          <a:off x="0" y="0"/>
+          <a:ext cx="0" cy="0"/>
+          <a:chOff x="0" y="0"/>
+          <a:chExt cx="0" cy="0"/>
+        </a:xfrm>
+      </p:grpSpPr>
+      <p:sp>
+        <p:nvSpPr>
+          <p:cNvPr id="4" name="TextBox 3">
+            <a:extLst>
+              <a:ext uri="{FF2B5EF4-FFF2-40B4-BE49-F238E27FC236}">
+                <a16:creationId xmlns:a16="http://schemas.microsoft.com/office/drawing/2014/main" id="{C7B648B4-3C2F-E534-B2B1-776C3D057260}"/>
+              </a:ext>
+            </a:extLst>
+          </p:cNvPr>
+          <p:cNvSpPr txBox="1"/>
+          <p:nvPr/>
+        </p:nvSpPr>
+        <p:spPr>
+          <a:xfrm>
+            <a:off x="283026" y="440744"/>
+            <a:ext cx="7222674" cy="553998"/>
+          </a:xfrm>
+          <a:prstGeom prst="rect">
+            <a:avLst/>
+          </a:prstGeom>
+          <a:noFill/>
+        </p:spPr>
+        <p:txBody>
+          <a:bodyPr wrap="square" rtlCol="0">
+            <a:spAutoFit/>
+          </a:bodyPr>
+          <a:lstStyle/>
+          <a:p>
+            <a:r>
+              <a:rPr lang="en-US" sz="3000" dirty="0">
+                <a:latin typeface="Bangla MN" pitchFamily="2" charset="0"/>
+                <a:cs typeface="Bangla MN" pitchFamily="2" charset="0"/>
+              </a:rPr>
+              <a:t>Session Information</a:t>
+            </a:r>
+          </a:p>
+        </p:txBody>
+      </p:sp>
       <p:pic>
         <p:nvPicPr>
           <p:cNvPr id="10" name="Picture 9">
@@ -15491,7 +15696,7 @@
 </p:sld>
 </file>
 
-<file path=ppt/slides/slide35.xml><?xml version="1.0" encoding="utf-8"?>
+<file path=ppt/slides/slide36.xml><?xml version="1.0" encoding="utf-8"?>
 <p:sld xmlns:a="http://schemas.openxmlformats.org/drawingml/2006/main" xmlns:r="http://schemas.openxmlformats.org/officeDocument/2006/relationships" xmlns:p="http://schemas.openxmlformats.org/presentationml/2006/main">
   <p:cSld>
     <p:spTree>
@@ -16529,7 +16734,7 @@
         <p:spPr>
           <a:xfrm>
             <a:off x="283026" y="1520244"/>
-            <a:ext cx="11632488" cy="2554545"/>
+            <a:ext cx="11632488" cy="3170099"/>
           </a:xfrm>
           <a:prstGeom prst="rect">
             <a:avLst/>
@@ -16565,6 +16770,41 @@
                 <a:cs typeface="Bangla MN" pitchFamily="2" charset="0"/>
               </a:rPr>
               <a:t>, as even slight movements can blur the images of your brain.</a:t>
+            </a:r>
+          </a:p>
+          <a:p>
+            <a:pPr marL="0" indent="0" fontAlgn="base">
+              <a:buNone/>
+            </a:pPr>
+            <a:endParaRPr lang="en-AU" sz="2000" dirty="0">
+              <a:latin typeface="Bangla MN" pitchFamily="2" charset="0"/>
+              <a:cs typeface="Bangla MN" pitchFamily="2" charset="0"/>
+            </a:endParaRPr>
+          </a:p>
+          <a:p>
+            <a:pPr marL="0" indent="0" fontAlgn="base">
+              <a:buNone/>
+            </a:pPr>
+            <a:r>
+              <a:rPr lang="en-AU" sz="2000" dirty="0">
+                <a:latin typeface="Bangla MN" pitchFamily="2" charset="0"/>
+                <a:cs typeface="Bangla MN" pitchFamily="2" charset="0"/>
+              </a:rPr>
+              <a:t>Please</a:t>
+            </a:r>
+            <a:r>
+              <a:rPr lang="en-AU" sz="2000" b="1" dirty="0">
+                <a:latin typeface="Bangla MN" pitchFamily="2" charset="0"/>
+                <a:cs typeface="Bangla MN" pitchFamily="2" charset="0"/>
+              </a:rPr>
+              <a:t> do not cross your arms or legs </a:t>
+            </a:r>
+            <a:r>
+              <a:rPr lang="en-AU" sz="2000" dirty="0">
+                <a:latin typeface="Bangla MN" pitchFamily="2" charset="0"/>
+                <a:cs typeface="Bangla MN" pitchFamily="2" charset="0"/>
+              </a:rPr>
+              <a:t>throughout the scanning.</a:t>
             </a:r>
           </a:p>
           <a:p>
@@ -17931,6 +18171,17 @@
 </file>
 
 <file path=customXml/item1.xml><?xml version="1.0" encoding="utf-8"?>
+<p:properties xmlns:p="http://schemas.microsoft.com/office/2006/metadata/properties" xmlns:xsi="http://www.w3.org/2001/XMLSchema-instance" xmlns:pc="http://schemas.microsoft.com/office/infopath/2007/PartnerControls">
+  <documentManagement>
+    <lcf76f155ced4ddcb4097134ff3c332f xmlns="daf31937-5c4f-4e36-a8d9-626984e07ebd">
+      <Terms xmlns="http://schemas.microsoft.com/office/infopath/2007/PartnerControls"/>
+    </lcf76f155ced4ddcb4097134ff3c332f>
+    <TaxCatchAll xmlns="a8fd9021-eca3-4fd4-8026-6f227723cead" xsi:nil="true"/>
+  </documentManagement>
+</p:properties>
+</file>
+
+<file path=customXml/item2.xml><?xml version="1.0" encoding="utf-8"?>
 <ct:contentTypeSchema xmlns:ct="http://schemas.microsoft.com/office/2006/metadata/contentType" xmlns:ma="http://schemas.microsoft.com/office/2006/metadata/properties/metaAttributes" ct:_="" ma:_="" ma:contentTypeName="Document" ma:contentTypeID="0x010100B279BEA181066048B3FF76D28915822B" ma:contentTypeVersion="15" ma:contentTypeDescription="Create a new document." ma:contentTypeScope="" ma:versionID="f285cf715a0cf87a35bb60aebdc8b6c9">
   <xsd:schema xmlns:xsd="http://www.w3.org/2001/XMLSchema" xmlns:xs="http://www.w3.org/2001/XMLSchema" xmlns:p="http://schemas.microsoft.com/office/2006/metadata/properties" xmlns:ns2="daf31937-5c4f-4e36-a8d9-626984e07ebd" xmlns:ns3="a8fd9021-eca3-4fd4-8026-6f227723cead" targetNamespace="http://schemas.microsoft.com/office/2006/metadata/properties" ma:root="true" ma:fieldsID="744df078a4d9e9d5ba233b6f0f7abc7b" ns2:_="" ns3:_="">
     <xsd:import namespace="daf31937-5c4f-4e36-a8d9-626984e07ebd"/>
@@ -18167,7 +18418,7 @@
 </ct:contentTypeSchema>
 </file>
 
-<file path=customXml/item2.xml><?xml version="1.0" encoding="utf-8"?>
+<file path=customXml/item3.xml><?xml version="1.0" encoding="utf-8"?>
 <?mso-contentType ?>
 <FormTemplates xmlns="http://schemas.microsoft.com/sharepoint/v3/contenttype/forms">
   <Display>DocumentLibraryForm</Display>
@@ -18176,18 +18427,20 @@
 </FormTemplates>
 </file>
 
-<file path=customXml/item3.xml><?xml version="1.0" encoding="utf-8"?>
-<p:properties xmlns:p="http://schemas.microsoft.com/office/2006/metadata/properties" xmlns:xsi="http://www.w3.org/2001/XMLSchema-instance" xmlns:pc="http://schemas.microsoft.com/office/infopath/2007/PartnerControls">
-  <documentManagement>
-    <lcf76f155ced4ddcb4097134ff3c332f xmlns="daf31937-5c4f-4e36-a8d9-626984e07ebd">
-      <Terms xmlns="http://schemas.microsoft.com/office/infopath/2007/PartnerControls"/>
-    </lcf76f155ced4ddcb4097134ff3c332f>
-    <TaxCatchAll xmlns="a8fd9021-eca3-4fd4-8026-6f227723cead" xsi:nil="true"/>
-  </documentManagement>
-</p:properties>
+<file path=customXml/itemProps1.xml><?xml version="1.0" encoding="utf-8"?>
+<ds:datastoreItem xmlns:ds="http://schemas.openxmlformats.org/officeDocument/2006/customXml" ds:itemID="{132C877D-D064-4C92-9FDE-72E2677A4405}">
+  <ds:schemaRefs>
+    <ds:schemaRef ds:uri="a8fd9021-eca3-4fd4-8026-6f227723cead"/>
+    <ds:schemaRef ds:uri="daf31937-5c4f-4e36-a8d9-626984e07ebd"/>
+    <ds:schemaRef ds:uri="http://schemas.microsoft.com/office/2006/metadata/properties"/>
+    <ds:schemaRef ds:uri="http://schemas.microsoft.com/office/infopath/2007/PartnerControls"/>
+    <ds:schemaRef ds:uri="http://www.w3.org/2000/xmlns/"/>
+    <ds:schemaRef ds:uri="http://www.w3.org/2001/XMLSchema-instance"/>
+  </ds:schemaRefs>
+</ds:datastoreItem>
 </file>
 
-<file path=customXml/itemProps1.xml><?xml version="1.0" encoding="utf-8"?>
+<file path=customXml/itemProps2.xml><?xml version="1.0" encoding="utf-8"?>
 <ds:datastoreItem xmlns:ds="http://schemas.openxmlformats.org/officeDocument/2006/customXml" ds:itemID="{420A8D93-CDBB-4E16-A506-3D5059F87A4E}">
   <ds:schemaRefs>
     <ds:schemaRef ds:uri="http://schemas.microsoft.com/office/2006/metadata/contentType"/>
@@ -18206,23 +18459,10 @@
 </ds:datastoreItem>
 </file>
 
-<file path=customXml/itemProps2.xml><?xml version="1.0" encoding="utf-8"?>
+<file path=customXml/itemProps3.xml><?xml version="1.0" encoding="utf-8"?>
 <ds:datastoreItem xmlns:ds="http://schemas.openxmlformats.org/officeDocument/2006/customXml" ds:itemID="{51F62D99-D697-46FC-8163-15A227B0F065}">
   <ds:schemaRefs>
     <ds:schemaRef ds:uri="http://schemas.microsoft.com/sharepoint/v3/contenttype/forms"/>
   </ds:schemaRefs>
 </ds:datastoreItem>
-</file>
-
-<file path=customXml/itemProps3.xml><?xml version="1.0" encoding="utf-8"?>
-<ds:datastoreItem xmlns:ds="http://schemas.openxmlformats.org/officeDocument/2006/customXml" ds:itemID="{132C877D-D064-4C92-9FDE-72E2677A4405}">
-  <ds:schemaRefs>
-    <ds:schemaRef ds:uri="a8fd9021-eca3-4fd4-8026-6f227723cead"/>
-    <ds:schemaRef ds:uri="daf31937-5c4f-4e36-a8d9-626984e07ebd"/>
-    <ds:schemaRef ds:uri="http://schemas.microsoft.com/office/2006/metadata/properties"/>
-    <ds:schemaRef ds:uri="http://schemas.microsoft.com/office/infopath/2007/PartnerControls"/>
-    <ds:schemaRef ds:uri="http://www.w3.org/2000/xmlns/"/>
-    <ds:schemaRef ds:uri="http://www.w3.org/2001/XMLSchema-instance"/>
-  </ds:schemaRefs>
-</ds:datastoreItem>
 </file>